--- a/Churn Model.pptx
+++ b/Churn Model.pptx
@@ -13819,7 +13819,7 @@
                 <a:latin typeface="Times New Roman" panose="02020603050405020304" pitchFamily="18" charset="0"/>
                 <a:cs typeface="Times New Roman" panose="02020603050405020304" pitchFamily="18" charset="0"/>
               </a:rPr>
-              <a:t>*improves Class 1 recall score by 3%</a:t>
+              <a:t>*improves Class 1 recall score by 2%</a:t>
             </a:r>
           </a:p>
           <a:p>
@@ -13834,29 +13834,38 @@
           <a:p>
             <a:r>
               <a:rPr lang="en-US" dirty="0">
-                <a:highlight>
-                  <a:srgbClr val="FFFF00"/>
-                </a:highlight>
                 <a:latin typeface="Times New Roman" panose="02020603050405020304" pitchFamily="18" charset="0"/>
                 <a:cs typeface="Times New Roman" panose="02020603050405020304" pitchFamily="18" charset="0"/>
               </a:rPr>
-              <a:t>Link: GitHub Repo</a:t>
-            </a:r>
-          </a:p>
-          <a:p>
+              <a:t>Link: </a:t>
+            </a:r>
+            <a:r>
+              <a:rPr lang="en-US" dirty="0">
+                <a:latin typeface="Times New Roman" panose="02020603050405020304" pitchFamily="18" charset="0"/>
+                <a:cs typeface="Times New Roman" panose="02020603050405020304" pitchFamily="18" charset="0"/>
+                <a:hlinkClick r:id="rId3"/>
+              </a:rPr>
+              <a:t>GitHub Repo</a:t>
+            </a:r>
             <a:endParaRPr lang="en-US" dirty="0">
               <a:latin typeface="Times New Roman" panose="02020603050405020304" pitchFamily="18" charset="0"/>
               <a:cs typeface="Times New Roman" panose="02020603050405020304" pitchFamily="18" charset="0"/>
             </a:endParaRPr>
           </a:p>
+          <a:p>
+            <a:endParaRPr lang="en-US" dirty="0">
+              <a:latin typeface="Times New Roman" panose="02020603050405020304" pitchFamily="18" charset="0"/>
+              <a:cs typeface="Times New Roman" panose="02020603050405020304" pitchFamily="18" charset="0"/>
+            </a:endParaRPr>
+          </a:p>
         </p:txBody>
       </p:sp>
       <p:pic>
         <p:nvPicPr>
-          <p:cNvPr id="7" name="Picture 6">
+          <p:cNvPr id="2" name="Picture 1">
             <a:extLst>
               <a:ext uri="{FF2B5EF4-FFF2-40B4-BE49-F238E27FC236}">
-                <a16:creationId xmlns:a16="http://schemas.microsoft.com/office/drawing/2014/main" id="{582F9124-DFB3-446B-B1DE-3D03FF0E9840}"/>
+                <a16:creationId xmlns:a16="http://schemas.microsoft.com/office/drawing/2014/main" id="{365551F5-E458-4685-87DA-F2168342AEA0}"/>
               </a:ext>
             </a:extLst>
           </p:cNvPr>
@@ -13866,15 +13875,15 @@
           <p:nvPr/>
         </p:nvPicPr>
         <p:blipFill>
-          <a:blip r:embed="rId3"/>
+          <a:blip r:embed="rId4"/>
           <a:stretch>
             <a:fillRect/>
           </a:stretch>
         </p:blipFill>
         <p:spPr>
           <a:xfrm>
-            <a:off x="4876612" y="4528462"/>
-            <a:ext cx="2721391" cy="2186260"/>
+            <a:off x="4819639" y="4459565"/>
+            <a:ext cx="2597157" cy="2242999"/>
           </a:xfrm>
           <a:prstGeom prst="rect">
             <a:avLst/>
@@ -14120,7 +14129,7 @@
                 <a:latin typeface="Times New Roman" panose="02020603050405020304" pitchFamily="18" charset="0"/>
                 <a:cs typeface="Times New Roman" panose="02020603050405020304" pitchFamily="18" charset="0"/>
               </a:rPr>
-              <a:t>Type 1 error: False Positive – Predicted Churn but Actually not Churn – Low importance error (821)</a:t>
+              <a:t>Type 1 error: False Positive – Predicted Churn but Actually not Churn – Low importance error (833)</a:t>
             </a:r>
           </a:p>
           <a:p>
@@ -14129,7 +14138,7 @@
                 <a:latin typeface="Times New Roman" panose="02020603050405020304" pitchFamily="18" charset="0"/>
                 <a:cs typeface="Times New Roman" panose="02020603050405020304" pitchFamily="18" charset="0"/>
               </a:rPr>
-              <a:t>Type 2 error: False Negative – Predicted Not Churn but Actually Churn – High importance error (153)</a:t>
+              <a:t>Type 2 error: False Negative – Predicted Not Churn but Actually Churn – High importance error (151)</a:t>
             </a:r>
           </a:p>
           <a:p>
@@ -14279,10 +14288,10 @@
       </p:sp>
       <p:pic>
         <p:nvPicPr>
-          <p:cNvPr id="8208" name="Picture 16">
+          <p:cNvPr id="1026" name="Picture 2">
             <a:extLst>
               <a:ext uri="{FF2B5EF4-FFF2-40B4-BE49-F238E27FC236}">
-                <a16:creationId xmlns:a16="http://schemas.microsoft.com/office/drawing/2014/main" id="{D508904D-179A-4427-833D-697D01DE45CC}"/>
+                <a16:creationId xmlns:a16="http://schemas.microsoft.com/office/drawing/2014/main" id="{A78C953A-EE3E-4BBB-9835-8D8EB06E3607}"/>
               </a:ext>
             </a:extLst>
           </p:cNvPr>
@@ -14306,8 +14315,8 @@
         </p:blipFill>
         <p:spPr bwMode="auto">
           <a:xfrm>
-            <a:off x="2920952" y="1266048"/>
-            <a:ext cx="2741080" cy="2341506"/>
+            <a:off x="2858588" y="1409304"/>
+            <a:ext cx="2646665" cy="2260854"/>
           </a:xfrm>
           <a:prstGeom prst="rect">
             <a:avLst/>
@@ -14326,10 +14335,10 @@
       </p:pic>
       <p:pic>
         <p:nvPicPr>
-          <p:cNvPr id="8210" name="Picture 18">
+          <p:cNvPr id="1028" name="Picture 4">
             <a:extLst>
               <a:ext uri="{FF2B5EF4-FFF2-40B4-BE49-F238E27FC236}">
-                <a16:creationId xmlns:a16="http://schemas.microsoft.com/office/drawing/2014/main" id="{3AE848A7-0173-4BB9-935B-E7F3642CF959}"/>
+                <a16:creationId xmlns:a16="http://schemas.microsoft.com/office/drawing/2014/main" id="{DC3B281A-7712-467D-A077-4B472DE85A70}"/>
               </a:ext>
             </a:extLst>
           </p:cNvPr>
@@ -14353,8 +14362,8 @@
         </p:blipFill>
         <p:spPr bwMode="auto">
           <a:xfrm>
-            <a:off x="6615288" y="1859939"/>
-            <a:ext cx="5247118" cy="1691163"/>
+            <a:off x="6552303" y="1793646"/>
+            <a:ext cx="5310103" cy="1858213"/>
           </a:xfrm>
           <a:prstGeom prst="rect">
             <a:avLst/>
@@ -14373,10 +14382,10 @@
       </p:pic>
       <p:pic>
         <p:nvPicPr>
-          <p:cNvPr id="8212" name="Picture 20">
+          <p:cNvPr id="1030" name="Picture 6">
             <a:extLst>
               <a:ext uri="{FF2B5EF4-FFF2-40B4-BE49-F238E27FC236}">
-                <a16:creationId xmlns:a16="http://schemas.microsoft.com/office/drawing/2014/main" id="{01BB27B4-4CC1-4D5B-AA70-1882CCDF8DB9}"/>
+                <a16:creationId xmlns:a16="http://schemas.microsoft.com/office/drawing/2014/main" id="{4526FB20-E478-4294-9101-8383D5EC3B81}"/>
               </a:ext>
             </a:extLst>
           </p:cNvPr>
@@ -14400,8 +14409,8 @@
         </p:blipFill>
         <p:spPr bwMode="auto">
           <a:xfrm>
-            <a:off x="6572704" y="4197432"/>
-            <a:ext cx="5429250" cy="1767505"/>
+            <a:off x="6552303" y="4119513"/>
+            <a:ext cx="5419725" cy="1858213"/>
           </a:xfrm>
           <a:prstGeom prst="rect">
             <a:avLst/>
@@ -14690,7 +14699,7 @@
                 <a:latin typeface="Times New Roman" panose="02020603050405020304" pitchFamily="18" charset="0"/>
                 <a:cs typeface="Times New Roman" panose="02020603050405020304" pitchFamily="18" charset="0"/>
               </a:rPr>
-              <a:t>15 High Focus Customers with maximum Churn probability require strategic intervention for Churn prevention.</a:t>
+              <a:t>19 High Focus Customers with maximum Churn probability require strategic intervention for Churn prevention.</a:t>
             </a:r>
           </a:p>
           <a:p>
@@ -14703,7 +14712,7 @@
                 <a:latin typeface="Times New Roman" panose="02020603050405020304" pitchFamily="18" charset="0"/>
                 <a:cs typeface="Times New Roman" panose="02020603050405020304" pitchFamily="18" charset="0"/>
               </a:rPr>
-              <a:t>2643 Low Focus Customers which require targeted monitoring for Churn prevention.</a:t>
+              <a:t>2761 Low Focus Customers which require targeted monitoring for Churn prevention.</a:t>
             </a:r>
           </a:p>
           <a:p>
@@ -14784,10 +14793,10 @@
       </p:pic>
       <p:pic>
         <p:nvPicPr>
-          <p:cNvPr id="6" name="Picture 5">
+          <p:cNvPr id="2" name="Picture 1">
             <a:extLst>
               <a:ext uri="{FF2B5EF4-FFF2-40B4-BE49-F238E27FC236}">
-                <a16:creationId xmlns:a16="http://schemas.microsoft.com/office/drawing/2014/main" id="{1988B256-6949-44E2-8BD1-0FC0C7534E25}"/>
+                <a16:creationId xmlns:a16="http://schemas.microsoft.com/office/drawing/2014/main" id="{3A668DCE-FA8E-4968-9C5C-5DF1540D533D}"/>
               </a:ext>
             </a:extLst>
           </p:cNvPr>
@@ -14804,8 +14813,8 @@
         </p:blipFill>
         <p:spPr>
           <a:xfrm>
-            <a:off x="6708466" y="1422026"/>
-            <a:ext cx="2395381" cy="2026861"/>
+            <a:off x="6679666" y="1455958"/>
+            <a:ext cx="2515827" cy="1881135"/>
           </a:xfrm>
           <a:prstGeom prst="rect">
             <a:avLst/>
@@ -14814,10 +14823,10 @@
       </p:pic>
       <p:pic>
         <p:nvPicPr>
-          <p:cNvPr id="7" name="Picture 6">
+          <p:cNvPr id="4" name="Picture 3">
             <a:extLst>
               <a:ext uri="{FF2B5EF4-FFF2-40B4-BE49-F238E27FC236}">
-                <a16:creationId xmlns:a16="http://schemas.microsoft.com/office/drawing/2014/main" id="{4BD2B01F-AAB9-439D-9AF7-CA61C6E931E2}"/>
+                <a16:creationId xmlns:a16="http://schemas.microsoft.com/office/drawing/2014/main" id="{42723264-B342-404B-AEA9-886032F628E5}"/>
               </a:ext>
             </a:extLst>
           </p:cNvPr>
@@ -14834,8 +14843,8 @@
         </p:blipFill>
         <p:spPr>
           <a:xfrm>
-            <a:off x="7728329" y="3821730"/>
-            <a:ext cx="3390900" cy="2419350"/>
+            <a:off x="7442757" y="4115351"/>
+            <a:ext cx="3905250" cy="2343150"/>
           </a:xfrm>
           <a:prstGeom prst="rect">
             <a:avLst/>
@@ -16132,15 +16141,6 @@
 </file>
 
 <file path=customXml/item2.xml><?xml version="1.0" encoding="utf-8"?>
-<?mso-contentType ?>
-<FormTemplates xmlns="http://schemas.microsoft.com/sharepoint/v3/contenttype/forms">
-  <Display>DocumentLibraryForm</Display>
-  <Edit>DocumentLibraryForm</Edit>
-  <New>DocumentLibraryForm</New>
-</FormTemplates>
-</file>
-
-<file path=customXml/item3.xml><?xml version="1.0" encoding="utf-8"?>
 <p:properties xmlns:p="http://schemas.microsoft.com/office/2006/metadata/properties" xmlns:xsi="http://www.w3.org/2001/XMLSchema-instance" xmlns:pc="http://schemas.microsoft.com/office/infopath/2007/PartnerControls">
   <documentManagement>
     <TaxCatchAll xmlns="5aa39b27-3492-4fbd-9ce5-132e2443fdc5">
@@ -16169,6 +16169,15 @@
 </p:properties>
 </file>
 
+<file path=customXml/item3.xml><?xml version="1.0" encoding="utf-8"?>
+<?mso-contentType ?>
+<FormTemplates xmlns="http://schemas.microsoft.com/sharepoint/v3/contenttype/forms">
+  <Display>DocumentLibraryForm</Display>
+  <Edit>DocumentLibraryForm</Edit>
+  <New>DocumentLibraryForm</New>
+</FormTemplates>
+</file>
+
 <file path=customXml/itemProps1.xml><?xml version="1.0" encoding="utf-8"?>
 <ds:datastoreItem xmlns:ds="http://schemas.openxmlformats.org/officeDocument/2006/customXml" ds:itemID="{C5D4C91F-644C-498D-9A6A-55A6D240C888}">
   <ds:schemaRefs>
@@ -16190,14 +16199,6 @@
 </file>
 
 <file path=customXml/itemProps2.xml><?xml version="1.0" encoding="utf-8"?>
-<ds:datastoreItem xmlns:ds="http://schemas.openxmlformats.org/officeDocument/2006/customXml" ds:itemID="{7F3C27BC-13E9-4A78-83E0-84204EDD23AE}">
-  <ds:schemaRefs>
-    <ds:schemaRef ds:uri="http://schemas.microsoft.com/sharepoint/v3/contenttype/forms"/>
-  </ds:schemaRefs>
-</ds:datastoreItem>
-</file>
-
-<file path=customXml/itemProps3.xml><?xml version="1.0" encoding="utf-8"?>
 <ds:datastoreItem xmlns:ds="http://schemas.openxmlformats.org/officeDocument/2006/customXml" ds:itemID="{7EDB0B6D-870F-493E-BC33-266BAF50064D}">
   <ds:schemaRefs>
     <ds:schemaRef ds:uri="http://purl.org/dc/terms/"/>
@@ -16213,4 +16214,12 @@
     <ds:schemaRef ds:uri="http://purl.org/dc/dcmitype/"/>
   </ds:schemaRefs>
 </ds:datastoreItem>
+</file>
+
+<file path=customXml/itemProps3.xml><?xml version="1.0" encoding="utf-8"?>
+<ds:datastoreItem xmlns:ds="http://schemas.openxmlformats.org/officeDocument/2006/customXml" ds:itemID="{7F3C27BC-13E9-4A78-83E0-84204EDD23AE}">
+  <ds:schemaRefs>
+    <ds:schemaRef ds:uri="http://schemas.microsoft.com/sharepoint/v3/contenttype/forms"/>
+  </ds:schemaRefs>
+</ds:datastoreItem>
 </file>
--- a/Churn Model.pptx
+++ b/Churn Model.pptx
@@ -7,7 +7,7 @@
     <p:sldMasterId id="2147483672" r:id="rId6"/>
   </p:sldMasterIdLst>
   <p:notesMasterIdLst>
-    <p:notesMasterId r:id="rId17"/>
+    <p:notesMasterId r:id="rId19"/>
   </p:notesMasterIdLst>
   <p:sldIdLst>
     <p:sldId id="265" r:id="rId7"/>
@@ -20,6 +20,8 @@
     <p:sldId id="315" r:id="rId14"/>
     <p:sldId id="316" r:id="rId15"/>
     <p:sldId id="317" r:id="rId16"/>
+    <p:sldId id="318" r:id="rId17"/>
+    <p:sldId id="319" r:id="rId18"/>
   </p:sldIdLst>
   <p:sldSz cx="12192000" cy="6858000"/>
   <p:notesSz cx="6858000" cy="9144000"/>
@@ -261,7 +263,7 @@
           <a:p>
             <a:fld id="{A15BA2EC-5A4A-48C0-A8BD-8C8C7578718C}" type="datetimeFigureOut">
               <a:rPr lang="en-US" smtClean="0"/>
-              <a:t>10/17/2020</a:t>
+              <a:t>10/19/2020</a:t>
             </a:fld>
             <a:endParaRPr lang="en-US" dirty="0"/>
           </a:p>
@@ -613,6 +615,176 @@
 </p:notes>
 </file>
 
+<file path=ppt/notesSlides/notesSlide10.xml><?xml version="1.0" encoding="utf-8"?>
+<p:notes xmlns:a="http://schemas.openxmlformats.org/drawingml/2006/main" xmlns:r="http://schemas.openxmlformats.org/officeDocument/2006/relationships" xmlns:p="http://schemas.openxmlformats.org/presentationml/2006/main">
+  <p:cSld>
+    <p:spTree>
+      <p:nvGrpSpPr>
+        <p:cNvPr id="1" name=""/>
+        <p:cNvGrpSpPr/>
+        <p:nvPr/>
+      </p:nvGrpSpPr>
+      <p:grpSpPr>
+        <a:xfrm>
+          <a:off x="0" y="0"/>
+          <a:ext cx="0" cy="0"/>
+          <a:chOff x="0" y="0"/>
+          <a:chExt cx="0" cy="0"/>
+        </a:xfrm>
+      </p:grpSpPr>
+      <p:sp>
+        <p:nvSpPr>
+          <p:cNvPr id="2" name="Slide Image Placeholder 1"/>
+          <p:cNvSpPr>
+            <a:spLocks noGrp="1" noRot="1" noChangeAspect="1"/>
+          </p:cNvSpPr>
+          <p:nvPr>
+            <p:ph type="sldImg"/>
+          </p:nvPr>
+        </p:nvSpPr>
+        <p:spPr/>
+      </p:sp>
+      <p:sp>
+        <p:nvSpPr>
+          <p:cNvPr id="3" name="Notes Placeholder 2"/>
+          <p:cNvSpPr>
+            <a:spLocks noGrp="1"/>
+          </p:cNvSpPr>
+          <p:nvPr>
+            <p:ph type="body" idx="1"/>
+          </p:nvPr>
+        </p:nvSpPr>
+        <p:spPr/>
+        <p:txBody>
+          <a:bodyPr/>
+          <a:lstStyle/>
+          <a:p>
+            <a:endParaRPr lang="en-US" dirty="0"/>
+          </a:p>
+        </p:txBody>
+      </p:sp>
+      <p:sp>
+        <p:nvSpPr>
+          <p:cNvPr id="4" name="Slide Number Placeholder 3"/>
+          <p:cNvSpPr>
+            <a:spLocks noGrp="1"/>
+          </p:cNvSpPr>
+          <p:nvPr>
+            <p:ph type="sldNum" sz="quarter" idx="10"/>
+          </p:nvPr>
+        </p:nvSpPr>
+        <p:spPr/>
+        <p:txBody>
+          <a:bodyPr/>
+          <a:lstStyle/>
+          <a:p>
+            <a:fld id="{FE9BC4E5-2BC1-4F43-85DD-A1B8F74CB7EB}" type="slidenum">
+              <a:rPr lang="en-US" smtClean="0"/>
+              <a:pPr/>
+              <a:t>11</a:t>
+            </a:fld>
+            <a:endParaRPr lang="en-US" dirty="0"/>
+          </a:p>
+        </p:txBody>
+      </p:sp>
+    </p:spTree>
+    <p:extLst>
+      <p:ext uri="{BB962C8B-B14F-4D97-AF65-F5344CB8AC3E}">
+        <p14:creationId xmlns:p14="http://schemas.microsoft.com/office/powerpoint/2010/main" val="2955788313"/>
+      </p:ext>
+    </p:extLst>
+  </p:cSld>
+  <p:clrMapOvr>
+    <a:masterClrMapping/>
+  </p:clrMapOvr>
+</p:notes>
+</file>
+
+<file path=ppt/notesSlides/notesSlide11.xml><?xml version="1.0" encoding="utf-8"?>
+<p:notes xmlns:a="http://schemas.openxmlformats.org/drawingml/2006/main" xmlns:r="http://schemas.openxmlformats.org/officeDocument/2006/relationships" xmlns:p="http://schemas.openxmlformats.org/presentationml/2006/main">
+  <p:cSld>
+    <p:spTree>
+      <p:nvGrpSpPr>
+        <p:cNvPr id="1" name=""/>
+        <p:cNvGrpSpPr/>
+        <p:nvPr/>
+      </p:nvGrpSpPr>
+      <p:grpSpPr>
+        <a:xfrm>
+          <a:off x="0" y="0"/>
+          <a:ext cx="0" cy="0"/>
+          <a:chOff x="0" y="0"/>
+          <a:chExt cx="0" cy="0"/>
+        </a:xfrm>
+      </p:grpSpPr>
+      <p:sp>
+        <p:nvSpPr>
+          <p:cNvPr id="2" name="Slide Image Placeholder 1"/>
+          <p:cNvSpPr>
+            <a:spLocks noGrp="1" noRot="1" noChangeAspect="1"/>
+          </p:cNvSpPr>
+          <p:nvPr>
+            <p:ph type="sldImg"/>
+          </p:nvPr>
+        </p:nvSpPr>
+        <p:spPr/>
+      </p:sp>
+      <p:sp>
+        <p:nvSpPr>
+          <p:cNvPr id="3" name="Notes Placeholder 2"/>
+          <p:cNvSpPr>
+            <a:spLocks noGrp="1"/>
+          </p:cNvSpPr>
+          <p:nvPr>
+            <p:ph type="body" idx="1"/>
+          </p:nvPr>
+        </p:nvSpPr>
+        <p:spPr/>
+        <p:txBody>
+          <a:bodyPr/>
+          <a:lstStyle/>
+          <a:p>
+            <a:endParaRPr lang="en-US" dirty="0"/>
+          </a:p>
+        </p:txBody>
+      </p:sp>
+      <p:sp>
+        <p:nvSpPr>
+          <p:cNvPr id="4" name="Slide Number Placeholder 3"/>
+          <p:cNvSpPr>
+            <a:spLocks noGrp="1"/>
+          </p:cNvSpPr>
+          <p:nvPr>
+            <p:ph type="sldNum" sz="quarter" idx="10"/>
+          </p:nvPr>
+        </p:nvSpPr>
+        <p:spPr/>
+        <p:txBody>
+          <a:bodyPr/>
+          <a:lstStyle/>
+          <a:p>
+            <a:fld id="{FE9BC4E5-2BC1-4F43-85DD-A1B8F74CB7EB}" type="slidenum">
+              <a:rPr lang="en-US" smtClean="0"/>
+              <a:pPr/>
+              <a:t>12</a:t>
+            </a:fld>
+            <a:endParaRPr lang="en-US" dirty="0"/>
+          </a:p>
+        </p:txBody>
+      </p:sp>
+    </p:spTree>
+    <p:extLst>
+      <p:ext uri="{BB962C8B-B14F-4D97-AF65-F5344CB8AC3E}">
+        <p14:creationId xmlns:p14="http://schemas.microsoft.com/office/powerpoint/2010/main" val="3807169379"/>
+      </p:ext>
+    </p:extLst>
+  </p:cSld>
+  <p:clrMapOvr>
+    <a:masterClrMapping/>
+  </p:clrMapOvr>
+</p:notes>
+</file>
+
 <file path=ppt/notesSlides/notesSlide2.xml><?xml version="1.0" encoding="utf-8"?>
 <p:notes xmlns:a="http://schemas.openxmlformats.org/drawingml/2006/main" xmlns:r="http://schemas.openxmlformats.org/officeDocument/2006/relationships" xmlns:p="http://schemas.openxmlformats.org/presentationml/2006/main">
   <p:cSld>
@@ -1440,7 +1612,7 @@
           <a:p>
             <a:fld id="{A00115BD-73FA-402D-B062-AD8F46BCBB2E}" type="datetimeFigureOut">
               <a:rPr lang="en-US" smtClean="0"/>
-              <a:t>10/17/2020</a:t>
+              <a:t>10/19/2020</a:t>
             </a:fld>
             <a:endParaRPr lang="en-US" dirty="0"/>
           </a:p>
@@ -1638,7 +1810,7 @@
           <a:p>
             <a:fld id="{A00115BD-73FA-402D-B062-AD8F46BCBB2E}" type="datetimeFigureOut">
               <a:rPr lang="en-US" smtClean="0"/>
-              <a:t>10/17/2020</a:t>
+              <a:t>10/19/2020</a:t>
             </a:fld>
             <a:endParaRPr lang="en-US" dirty="0"/>
           </a:p>
@@ -1846,7 +2018,7 @@
           <a:p>
             <a:fld id="{A00115BD-73FA-402D-B062-AD8F46BCBB2E}" type="datetimeFigureOut">
               <a:rPr lang="en-US" smtClean="0"/>
-              <a:t>10/17/2020</a:t>
+              <a:t>10/19/2020</a:t>
             </a:fld>
             <a:endParaRPr lang="en-US" dirty="0"/>
           </a:p>
@@ -2048,7 +2220,7 @@
           <a:p>
             <a:fld id="{627ED9C8-F09A-4D9E-BEC0-4725162E21FF}" type="datetimeFigureOut">
               <a:rPr lang="en-US" smtClean="0"/>
-              <a:t>10/17/2020</a:t>
+              <a:t>10/19/2020</a:t>
             </a:fld>
             <a:endParaRPr lang="en-US" dirty="0"/>
           </a:p>
@@ -2216,7 +2388,7 @@
           <a:p>
             <a:fld id="{627ED9C8-F09A-4D9E-BEC0-4725162E21FF}" type="datetimeFigureOut">
               <a:rPr lang="en-US" smtClean="0"/>
-              <a:t>10/17/2020</a:t>
+              <a:t>10/19/2020</a:t>
             </a:fld>
             <a:endParaRPr lang="en-US" dirty="0"/>
           </a:p>
@@ -2461,7 +2633,7 @@
           <a:p>
             <a:fld id="{627ED9C8-F09A-4D9E-BEC0-4725162E21FF}" type="datetimeFigureOut">
               <a:rPr lang="en-US" smtClean="0"/>
-              <a:t>10/17/2020</a:t>
+              <a:t>10/19/2020</a:t>
             </a:fld>
             <a:endParaRPr lang="en-US" dirty="0"/>
           </a:p>
@@ -2690,7 +2862,7 @@
           <a:p>
             <a:fld id="{627ED9C8-F09A-4D9E-BEC0-4725162E21FF}" type="datetimeFigureOut">
               <a:rPr lang="en-US" smtClean="0"/>
-              <a:t>10/17/2020</a:t>
+              <a:t>10/19/2020</a:t>
             </a:fld>
             <a:endParaRPr lang="en-US" dirty="0"/>
           </a:p>
@@ -3054,7 +3226,7 @@
           <a:p>
             <a:fld id="{627ED9C8-F09A-4D9E-BEC0-4725162E21FF}" type="datetimeFigureOut">
               <a:rPr lang="en-US" smtClean="0"/>
-              <a:t>10/17/2020</a:t>
+              <a:t>10/19/2020</a:t>
             </a:fld>
             <a:endParaRPr lang="en-US" dirty="0"/>
           </a:p>
@@ -3171,7 +3343,7 @@
           <a:p>
             <a:fld id="{627ED9C8-F09A-4D9E-BEC0-4725162E21FF}" type="datetimeFigureOut">
               <a:rPr lang="en-US" smtClean="0"/>
-              <a:t>10/17/2020</a:t>
+              <a:t>10/19/2020</a:t>
             </a:fld>
             <a:endParaRPr lang="en-US" dirty="0"/>
           </a:p>
@@ -3266,7 +3438,7 @@
           <a:p>
             <a:fld id="{627ED9C8-F09A-4D9E-BEC0-4725162E21FF}" type="datetimeFigureOut">
               <a:rPr lang="en-US" smtClean="0"/>
-              <a:t>10/17/2020</a:t>
+              <a:t>10/19/2020</a:t>
             </a:fld>
             <a:endParaRPr lang="en-US" dirty="0"/>
           </a:p>
@@ -3541,7 +3713,7 @@
           <a:p>
             <a:fld id="{627ED9C8-F09A-4D9E-BEC0-4725162E21FF}" type="datetimeFigureOut">
               <a:rPr lang="en-US" smtClean="0"/>
-              <a:t>10/17/2020</a:t>
+              <a:t>10/19/2020</a:t>
             </a:fld>
             <a:endParaRPr lang="en-US" dirty="0"/>
           </a:p>
@@ -3727,7 +3899,7 @@
           <a:p>
             <a:fld id="{A00115BD-73FA-402D-B062-AD8F46BCBB2E}" type="datetimeFigureOut">
               <a:rPr lang="en-US" smtClean="0"/>
-              <a:t>10/17/2020</a:t>
+              <a:t>10/19/2020</a:t>
             </a:fld>
             <a:endParaRPr lang="en-US" dirty="0"/>
           </a:p>
@@ -3991,7 +4163,7 @@
           <a:p>
             <a:fld id="{627ED9C8-F09A-4D9E-BEC0-4725162E21FF}" type="datetimeFigureOut">
               <a:rPr lang="en-US" smtClean="0"/>
-              <a:t>10/17/2020</a:t>
+              <a:t>10/19/2020</a:t>
             </a:fld>
             <a:endParaRPr lang="en-US" dirty="0"/>
           </a:p>
@@ -4159,7 +4331,7 @@
           <a:p>
             <a:fld id="{627ED9C8-F09A-4D9E-BEC0-4725162E21FF}" type="datetimeFigureOut">
               <a:rPr lang="en-US" smtClean="0"/>
-              <a:t>10/17/2020</a:t>
+              <a:t>10/19/2020</a:t>
             </a:fld>
             <a:endParaRPr lang="en-US" dirty="0"/>
           </a:p>
@@ -4337,7 +4509,7 @@
           <a:p>
             <a:fld id="{627ED9C8-F09A-4D9E-BEC0-4725162E21FF}" type="datetimeFigureOut">
               <a:rPr lang="en-US" smtClean="0"/>
-              <a:t>10/17/2020</a:t>
+              <a:t>10/19/2020</a:t>
             </a:fld>
             <a:endParaRPr lang="en-US" dirty="0"/>
           </a:p>
@@ -4527,7 +4699,7 @@
           <a:p>
             <a:fld id="{89C12F00-D544-4849-9848-B5625B4E5F78}" type="datetimeFigureOut">
               <a:rPr lang="en-US" smtClean="0"/>
-              <a:t>10/17/2020</a:t>
+              <a:t>10/19/2020</a:t>
             </a:fld>
             <a:endParaRPr lang="en-US" dirty="0"/>
           </a:p>
@@ -4695,7 +4867,7 @@
           <a:p>
             <a:fld id="{89C12F00-D544-4849-9848-B5625B4E5F78}" type="datetimeFigureOut">
               <a:rPr lang="en-US" smtClean="0"/>
-              <a:t>10/17/2020</a:t>
+              <a:t>10/19/2020</a:t>
             </a:fld>
             <a:endParaRPr lang="en-US" dirty="0"/>
           </a:p>
@@ -4940,7 +5112,7 @@
           <a:p>
             <a:fld id="{89C12F00-D544-4849-9848-B5625B4E5F78}" type="datetimeFigureOut">
               <a:rPr lang="en-US" smtClean="0"/>
-              <a:t>10/17/2020</a:t>
+              <a:t>10/19/2020</a:t>
             </a:fld>
             <a:endParaRPr lang="en-US" dirty="0"/>
           </a:p>
@@ -5169,7 +5341,7 @@
           <a:p>
             <a:fld id="{89C12F00-D544-4849-9848-B5625B4E5F78}" type="datetimeFigureOut">
               <a:rPr lang="en-US" smtClean="0"/>
-              <a:t>10/17/2020</a:t>
+              <a:t>10/19/2020</a:t>
             </a:fld>
             <a:endParaRPr lang="en-US" dirty="0"/>
           </a:p>
@@ -5533,7 +5705,7 @@
           <a:p>
             <a:fld id="{89C12F00-D544-4849-9848-B5625B4E5F78}" type="datetimeFigureOut">
               <a:rPr lang="en-US" smtClean="0"/>
-              <a:t>10/17/2020</a:t>
+              <a:t>10/19/2020</a:t>
             </a:fld>
             <a:endParaRPr lang="en-US" dirty="0"/>
           </a:p>
@@ -5650,7 +5822,7 @@
           <a:p>
             <a:fld id="{89C12F00-D544-4849-9848-B5625B4E5F78}" type="datetimeFigureOut">
               <a:rPr lang="en-US" smtClean="0"/>
-              <a:t>10/17/2020</a:t>
+              <a:t>10/19/2020</a:t>
             </a:fld>
             <a:endParaRPr lang="en-US" dirty="0"/>
           </a:p>
@@ -5745,7 +5917,7 @@
           <a:p>
             <a:fld id="{89C12F00-D544-4849-9848-B5625B4E5F78}" type="datetimeFigureOut">
               <a:rPr lang="en-US" smtClean="0"/>
-              <a:t>10/17/2020</a:t>
+              <a:t>10/19/2020</a:t>
             </a:fld>
             <a:endParaRPr lang="en-US" dirty="0"/>
           </a:p>
@@ -6008,7 +6180,7 @@
           <a:p>
             <a:fld id="{A00115BD-73FA-402D-B062-AD8F46BCBB2E}" type="datetimeFigureOut">
               <a:rPr lang="en-US" smtClean="0"/>
-              <a:t>10/17/2020</a:t>
+              <a:t>10/19/2020</a:t>
             </a:fld>
             <a:endParaRPr lang="en-US" dirty="0"/>
           </a:p>
@@ -6295,7 +6467,7 @@
           <a:p>
             <a:fld id="{89C12F00-D544-4849-9848-B5625B4E5F78}" type="datetimeFigureOut">
               <a:rPr lang="en-US" smtClean="0"/>
-              <a:t>10/17/2020</a:t>
+              <a:t>10/19/2020</a:t>
             </a:fld>
             <a:endParaRPr lang="en-US" dirty="0"/>
           </a:p>
@@ -6547,7 +6719,7 @@
           <a:p>
             <a:fld id="{89C12F00-D544-4849-9848-B5625B4E5F78}" type="datetimeFigureOut">
               <a:rPr lang="en-US" smtClean="0"/>
-              <a:t>10/17/2020</a:t>
+              <a:t>10/19/2020</a:t>
             </a:fld>
             <a:endParaRPr lang="en-US" dirty="0"/>
           </a:p>
@@ -6715,7 +6887,7 @@
           <a:p>
             <a:fld id="{89C12F00-D544-4849-9848-B5625B4E5F78}" type="datetimeFigureOut">
               <a:rPr lang="en-US" smtClean="0"/>
-              <a:t>10/17/2020</a:t>
+              <a:t>10/19/2020</a:t>
             </a:fld>
             <a:endParaRPr lang="en-US" dirty="0"/>
           </a:p>
@@ -6893,7 +7065,7 @@
           <a:p>
             <a:fld id="{89C12F00-D544-4849-9848-B5625B4E5F78}" type="datetimeFigureOut">
               <a:rPr lang="en-US" smtClean="0"/>
-              <a:t>10/17/2020</a:t>
+              <a:t>10/19/2020</a:t>
             </a:fld>
             <a:endParaRPr lang="en-US" dirty="0"/>
           </a:p>
@@ -7336,7 +7508,7 @@
           <a:p>
             <a:fld id="{A00115BD-73FA-402D-B062-AD8F46BCBB2E}" type="datetimeFigureOut">
               <a:rPr lang="en-US" smtClean="0"/>
-              <a:t>10/17/2020</a:t>
+              <a:t>10/19/2020</a:t>
             </a:fld>
             <a:endParaRPr lang="en-US" dirty="0"/>
           </a:p>
@@ -7748,7 +7920,7 @@
           <a:p>
             <a:fld id="{A00115BD-73FA-402D-B062-AD8F46BCBB2E}" type="datetimeFigureOut">
               <a:rPr lang="en-US" smtClean="0"/>
-              <a:t>10/17/2020</a:t>
+              <a:t>10/19/2020</a:t>
             </a:fld>
             <a:endParaRPr lang="en-US" dirty="0"/>
           </a:p>
@@ -7889,7 +8061,7 @@
           <a:p>
             <a:fld id="{A00115BD-73FA-402D-B062-AD8F46BCBB2E}" type="datetimeFigureOut">
               <a:rPr lang="en-US" smtClean="0"/>
-              <a:t>10/17/2020</a:t>
+              <a:t>10/19/2020</a:t>
             </a:fld>
             <a:endParaRPr lang="en-US" dirty="0"/>
           </a:p>
@@ -8002,7 +8174,7 @@
           <a:p>
             <a:fld id="{A00115BD-73FA-402D-B062-AD8F46BCBB2E}" type="datetimeFigureOut">
               <a:rPr lang="en-US" smtClean="0"/>
-              <a:t>10/17/2020</a:t>
+              <a:t>10/19/2020</a:t>
             </a:fld>
             <a:endParaRPr lang="en-US" dirty="0"/>
           </a:p>
@@ -8313,7 +8485,7 @@
           <a:p>
             <a:fld id="{A00115BD-73FA-402D-B062-AD8F46BCBB2E}" type="datetimeFigureOut">
               <a:rPr lang="en-US" smtClean="0"/>
-              <a:t>10/17/2020</a:t>
+              <a:t>10/19/2020</a:t>
             </a:fld>
             <a:endParaRPr lang="en-US" dirty="0"/>
           </a:p>
@@ -8601,7 +8773,7 @@
           <a:p>
             <a:fld id="{A00115BD-73FA-402D-B062-AD8F46BCBB2E}" type="datetimeFigureOut">
               <a:rPr lang="en-US" smtClean="0"/>
-              <a:t>10/17/2020</a:t>
+              <a:t>10/19/2020</a:t>
             </a:fld>
             <a:endParaRPr lang="en-US" dirty="0"/>
           </a:p>
@@ -8842,7 +9014,7 @@
           <a:p>
             <a:fld id="{A00115BD-73FA-402D-B062-AD8F46BCBB2E}" type="datetimeFigureOut">
               <a:rPr lang="en-US" smtClean="0"/>
-              <a:t>10/17/2020</a:t>
+              <a:t>10/19/2020</a:t>
             </a:fld>
             <a:endParaRPr lang="en-US" dirty="0"/>
           </a:p>
@@ -9392,7 +9564,7 @@
           <a:p>
             <a:fld id="{627ED9C8-F09A-4D9E-BEC0-4725162E21FF}" type="datetimeFigureOut">
               <a:rPr lang="en-US" smtClean="0"/>
-              <a:t>10/17/2020</a:t>
+              <a:t>10/19/2020</a:t>
             </a:fld>
             <a:endParaRPr lang="en-US" dirty="0"/>
           </a:p>
@@ -9930,7 +10102,7 @@
           <a:p>
             <a:fld id="{89C12F00-D544-4849-9848-B5625B4E5F78}" type="datetimeFigureOut">
               <a:rPr lang="en-US" smtClean="0"/>
-              <a:t>10/17/2020</a:t>
+              <a:t>10/19/2020</a:t>
             </a:fld>
             <a:endParaRPr lang="en-US" dirty="0"/>
           </a:p>
@@ -10671,7 +10843,7 @@
         </p:nvSpPr>
         <p:spPr>
           <a:xfrm>
-            <a:off x="841248" y="4858247"/>
+            <a:off x="841248" y="5197806"/>
             <a:ext cx="6982834" cy="1026435"/>
           </a:xfrm>
           <a:prstGeom prst="rect">
@@ -10680,7 +10852,7 @@
         </p:spPr>
         <p:txBody>
           <a:bodyPr vert="horz" lIns="91440" tIns="45720" rIns="91440" bIns="45720" rtlCol="0" anchor="b">
-            <a:normAutofit fontScale="92500"/>
+            <a:normAutofit fontScale="92500" lnSpcReduction="10000"/>
           </a:bodyPr>
           <a:lstStyle/>
           <a:p>
@@ -10715,6 +10887,51 @@
                 <a:cs typeface="+mj-cs"/>
               </a:rPr>
               <a:t>CHURN PREDICTION MODEL</a:t>
+            </a:r>
+          </a:p>
+          <a:p>
+            <a:pPr marL="0" marR="0" lvl="0" indent="0" algn="r" fontAlgn="auto">
+              <a:lnSpc>
+                <a:spcPct val="90000"/>
+              </a:lnSpc>
+              <a:spcBef>
+                <a:spcPct val="0"/>
+              </a:spcBef>
+              <a:spcAft>
+                <a:spcPts val="600"/>
+              </a:spcAft>
+              <a:buClrTx/>
+              <a:buSzTx/>
+              <a:tabLst/>
+              <a:defRPr/>
+            </a:pPr>
+            <a:r>
+              <a:rPr lang="en-US" sz="2600" b="1" dirty="0">
+                <a:solidFill>
+                  <a:srgbClr val="FFFFFF"/>
+                </a:solidFill>
+                <a:latin typeface="+mj-lt"/>
+                <a:ea typeface="+mj-ea"/>
+                <a:cs typeface="+mj-cs"/>
+              </a:rPr>
+              <a:t>BY</a:t>
+            </a:r>
+            <a:r>
+              <a:rPr kumimoji="0" lang="en-US" sz="2600" b="1" i="0" u="none" strike="noStrike" cap="none" spc="0" normalizeH="0" baseline="0" noProof="0" dirty="0">
+                <a:ln>
+                  <a:noFill/>
+                </a:ln>
+                <a:solidFill>
+                  <a:srgbClr val="FFFFFF"/>
+                </a:solidFill>
+                <a:effectLst/>
+                <a:uLnTx/>
+                <a:uFillTx/>
+                <a:latin typeface="+mj-lt"/>
+                <a:ea typeface="+mj-ea"/>
+                <a:cs typeface="+mj-cs"/>
+              </a:rPr>
+              <a:t> SAHIL MAKEN</a:t>
             </a:r>
           </a:p>
         </p:txBody>
@@ -10839,7 +11056,7 @@
                 <a:latin typeface="Times New Roman" panose="02020603050405020304" pitchFamily="18" charset="0"/>
                 <a:cs typeface="Times New Roman" panose="02020603050405020304" pitchFamily="18" charset="0"/>
               </a:rPr>
-              <a:t>Analyzing customer feedback (social media comments, customer care feedback) for Churn as Customer satisfaction is an important variable impacting Churn.</a:t>
+              <a:t>Analyzing customer feedback (social media comments, customer care feedback) as Customer satisfaction is an important variable impacting Churn.</a:t>
             </a:r>
           </a:p>
           <a:p>
@@ -10852,7 +11069,7 @@
                 <a:latin typeface="Times New Roman" panose="02020603050405020304" pitchFamily="18" charset="0"/>
                 <a:cs typeface="Times New Roman" panose="02020603050405020304" pitchFamily="18" charset="0"/>
               </a:rPr>
-              <a:t>Analyzing Customer  location data as location safety index as well as competitor service availability has an impact on Customer Churn.</a:t>
+              <a:t>Analyzing Customer  location data as location safety index / crime index, as well as competitor service availability would have an impact on Customer Churn.</a:t>
             </a:r>
           </a:p>
         </p:txBody>
@@ -10922,7 +11139,7 @@
                 <a:latin typeface="Times New Roman" panose="02020603050405020304" pitchFamily="18" charset="0"/>
                 <a:cs typeface="Times New Roman" panose="02020603050405020304" pitchFamily="18" charset="0"/>
               </a:rPr>
-              <a:t>Enhance and improve Social media reach to promptly address customer feedback.</a:t>
+              <a:t>Enhance and improve Social media outreach to promptly address customer feedback.</a:t>
             </a:r>
           </a:p>
           <a:p>
@@ -10935,7 +11152,7 @@
                 <a:latin typeface="Times New Roman" panose="02020603050405020304" pitchFamily="18" charset="0"/>
                 <a:cs typeface="Times New Roman" panose="02020603050405020304" pitchFamily="18" charset="0"/>
               </a:rPr>
-              <a:t>Develop bundled service packages targeting young independent adults – e.g. bundled internet or gaming services.</a:t>
+              <a:t>Develop bundled service packages targeting young independent adults – e.g. bundled internet, gaming services etc.</a:t>
             </a:r>
           </a:p>
           <a:p>
@@ -10967,6 +11184,1490 @@
     <p:extLst>
       <p:ext uri="{BB962C8B-B14F-4D97-AF65-F5344CB8AC3E}">
         <p14:creationId xmlns:p14="http://schemas.microsoft.com/office/powerpoint/2010/main" val="7343997"/>
+      </p:ext>
+    </p:extLst>
+  </p:cSld>
+  <p:clrMapOvr>
+    <a:masterClrMapping/>
+  </p:clrMapOvr>
+</p:sld>
+</file>
+
+<file path=ppt/slides/slide11.xml><?xml version="1.0" encoding="utf-8"?>
+<p:sld xmlns:a="http://schemas.openxmlformats.org/drawingml/2006/main" xmlns:r="http://schemas.openxmlformats.org/officeDocument/2006/relationships" xmlns:p="http://schemas.openxmlformats.org/presentationml/2006/main">
+  <p:cSld>
+    <p:bg>
+      <p:bgPr>
+        <a:solidFill>
+          <a:schemeClr val="bg1"/>
+        </a:solidFill>
+        <a:effectLst/>
+      </p:bgPr>
+    </p:bg>
+    <p:spTree>
+      <p:nvGrpSpPr>
+        <p:cNvPr id="1" name=""/>
+        <p:cNvGrpSpPr/>
+        <p:nvPr/>
+      </p:nvGrpSpPr>
+      <p:grpSpPr>
+        <a:xfrm>
+          <a:off x="0" y="0"/>
+          <a:ext cx="0" cy="0"/>
+          <a:chOff x="0" y="0"/>
+          <a:chExt cx="0" cy="0"/>
+        </a:xfrm>
+      </p:grpSpPr>
+      <p:sp useBgFill="1">
+        <p:nvSpPr>
+          <p:cNvPr id="14" name="Rectangle 13">
+            <a:extLst>
+              <a:ext uri="{FF2B5EF4-FFF2-40B4-BE49-F238E27FC236}">
+                <a16:creationId xmlns:a16="http://schemas.microsoft.com/office/drawing/2014/main" id="{C475749F-F487-4EFB-ABC7-C1359590EB76}"/>
+              </a:ext>
+              <a:ext uri="{C183D7F6-B498-43B3-948B-1728B52AA6E4}">
+                <adec:decorative xmlns:adec="http://schemas.microsoft.com/office/drawing/2017/decorative" val="1"/>
+              </a:ext>
+            </a:extLst>
+          </p:cNvPr>
+          <p:cNvSpPr>
+            <a:spLocks noGrp="1" noRot="1" noChangeAspect="1" noMove="1" noResize="1" noEditPoints="1" noAdjustHandles="1" noChangeArrowheads="1" noChangeShapeType="1" noTextEdit="1"/>
+          </p:cNvSpPr>
+          <p:nvPr>
+            <p:extLst>
+              <p:ext uri="{386F3935-93C4-4BCD-93E2-E3B085C9AB24}">
+                <p16:designElem xmlns:p16="http://schemas.microsoft.com/office/powerpoint/2015/main" val="1"/>
+              </p:ext>
+            </p:extLst>
+          </p:nvPr>
+        </p:nvSpPr>
+        <p:spPr>
+          <a:xfrm>
+            <a:off x="0" y="0"/>
+            <a:ext cx="12192000" cy="6858000"/>
+          </a:xfrm>
+          <a:prstGeom prst="rect">
+            <a:avLst/>
+          </a:prstGeom>
+          <a:ln>
+            <a:noFill/>
+          </a:ln>
+        </p:spPr>
+        <p:style>
+          <a:lnRef idx="2">
+            <a:schemeClr val="accent1">
+              <a:shade val="50000"/>
+            </a:schemeClr>
+          </a:lnRef>
+          <a:fillRef idx="1">
+            <a:schemeClr val="accent1"/>
+          </a:fillRef>
+          <a:effectRef idx="0">
+            <a:schemeClr val="accent1"/>
+          </a:effectRef>
+          <a:fontRef idx="minor">
+            <a:schemeClr val="lt1"/>
+          </a:fontRef>
+        </p:style>
+        <p:txBody>
+          <a:bodyPr rtlCol="0" anchor="ctr"/>
+          <a:lstStyle/>
+          <a:p>
+            <a:pPr algn="ctr"/>
+            <a:endParaRPr lang="en-US"/>
+          </a:p>
+        </p:txBody>
+      </p:sp>
+      <p:sp>
+        <p:nvSpPr>
+          <p:cNvPr id="16" name="Freeform 5">
+            <a:extLst>
+              <a:ext uri="{FF2B5EF4-FFF2-40B4-BE49-F238E27FC236}">
+                <a16:creationId xmlns:a16="http://schemas.microsoft.com/office/drawing/2014/main" id="{F6285A5F-6712-47A0-8A11-F0DFF60D0D20}"/>
+              </a:ext>
+              <a:ext uri="{C183D7F6-B498-43B3-948B-1728B52AA6E4}">
+                <adec:decorative xmlns:adec="http://schemas.microsoft.com/office/drawing/2017/decorative" val="1"/>
+              </a:ext>
+            </a:extLst>
+          </p:cNvPr>
+          <p:cNvSpPr>
+            <a:spLocks noGrp="1" noRot="1" noChangeAspect="1" noMove="1" noResize="1" noEditPoints="1" noAdjustHandles="1" noChangeArrowheads="1" noChangeShapeType="1" noTextEdit="1"/>
+          </p:cNvSpPr>
+          <p:nvPr>
+            <p:extLst>
+              <p:ext uri="{386F3935-93C4-4BCD-93E2-E3B085C9AB24}">
+                <p16:designElem xmlns:p16="http://schemas.microsoft.com/office/powerpoint/2015/main" val="1"/>
+              </p:ext>
+            </p:extLst>
+          </p:nvPr>
+        </p:nvSpPr>
+        <p:spPr bwMode="auto">
+          <a:xfrm>
+            <a:off x="7276856" y="1645695"/>
+            <a:ext cx="4418320" cy="3877280"/>
+          </a:xfrm>
+          <a:custGeom>
+            <a:avLst/>
+            <a:gdLst>
+              <a:gd name="T0" fmla="*/ 781 w 1099"/>
+              <a:gd name="T1" fmla="*/ 0 h 968"/>
+              <a:gd name="T2" fmla="*/ 318 w 1099"/>
+              <a:gd name="T3" fmla="*/ 0 h 968"/>
+              <a:gd name="T4" fmla="*/ 246 w 1099"/>
+              <a:gd name="T5" fmla="*/ 42 h 968"/>
+              <a:gd name="T6" fmla="*/ 15 w 1099"/>
+              <a:gd name="T7" fmla="*/ 443 h 968"/>
+              <a:gd name="T8" fmla="*/ 15 w 1099"/>
+              <a:gd name="T9" fmla="*/ 525 h 968"/>
+              <a:gd name="T10" fmla="*/ 246 w 1099"/>
+              <a:gd name="T11" fmla="*/ 926 h 968"/>
+              <a:gd name="T12" fmla="*/ 318 w 1099"/>
+              <a:gd name="T13" fmla="*/ 968 h 968"/>
+              <a:gd name="T14" fmla="*/ 781 w 1099"/>
+              <a:gd name="T15" fmla="*/ 968 h 968"/>
+              <a:gd name="T16" fmla="*/ 852 w 1099"/>
+              <a:gd name="T17" fmla="*/ 926 h 968"/>
+              <a:gd name="T18" fmla="*/ 1084 w 1099"/>
+              <a:gd name="T19" fmla="*/ 525 h 968"/>
+              <a:gd name="T20" fmla="*/ 1084 w 1099"/>
+              <a:gd name="T21" fmla="*/ 443 h 968"/>
+              <a:gd name="T22" fmla="*/ 852 w 1099"/>
+              <a:gd name="T23" fmla="*/ 42 h 968"/>
+              <a:gd name="T24" fmla="*/ 781 w 1099"/>
+              <a:gd name="T25" fmla="*/ 0 h 968"/>
+            </a:gdLst>
+            <a:ahLst/>
+            <a:cxnLst>
+              <a:cxn ang="0">
+                <a:pos x="T0" y="T1"/>
+              </a:cxn>
+              <a:cxn ang="0">
+                <a:pos x="T2" y="T3"/>
+              </a:cxn>
+              <a:cxn ang="0">
+                <a:pos x="T4" y="T5"/>
+              </a:cxn>
+              <a:cxn ang="0">
+                <a:pos x="T6" y="T7"/>
+              </a:cxn>
+              <a:cxn ang="0">
+                <a:pos x="T8" y="T9"/>
+              </a:cxn>
+              <a:cxn ang="0">
+                <a:pos x="T10" y="T11"/>
+              </a:cxn>
+              <a:cxn ang="0">
+                <a:pos x="T12" y="T13"/>
+              </a:cxn>
+              <a:cxn ang="0">
+                <a:pos x="T14" y="T15"/>
+              </a:cxn>
+              <a:cxn ang="0">
+                <a:pos x="T16" y="T17"/>
+              </a:cxn>
+              <a:cxn ang="0">
+                <a:pos x="T18" y="T19"/>
+              </a:cxn>
+              <a:cxn ang="0">
+                <a:pos x="T20" y="T21"/>
+              </a:cxn>
+              <a:cxn ang="0">
+                <a:pos x="T22" y="T23"/>
+              </a:cxn>
+              <a:cxn ang="0">
+                <a:pos x="T24" y="T25"/>
+              </a:cxn>
+            </a:cxnLst>
+            <a:rect l="0" t="0" r="r" b="b"/>
+            <a:pathLst>
+              <a:path w="1099" h="968">
+                <a:moveTo>
+                  <a:pt x="781" y="0"/>
+                </a:moveTo>
+                <a:cubicBezTo>
+                  <a:pt x="318" y="0"/>
+                  <a:pt x="318" y="0"/>
+                  <a:pt x="318" y="0"/>
+                </a:cubicBezTo>
+                <a:cubicBezTo>
+                  <a:pt x="288" y="0"/>
+                  <a:pt x="261" y="16"/>
+                  <a:pt x="246" y="42"/>
+                </a:cubicBezTo>
+                <a:cubicBezTo>
+                  <a:pt x="15" y="443"/>
+                  <a:pt x="15" y="443"/>
+                  <a:pt x="15" y="443"/>
+                </a:cubicBezTo>
+                <a:cubicBezTo>
+                  <a:pt x="0" y="468"/>
+                  <a:pt x="0" y="500"/>
+                  <a:pt x="15" y="525"/>
+                </a:cubicBezTo>
+                <a:cubicBezTo>
+                  <a:pt x="246" y="926"/>
+                  <a:pt x="246" y="926"/>
+                  <a:pt x="246" y="926"/>
+                </a:cubicBezTo>
+                <a:cubicBezTo>
+                  <a:pt x="261" y="952"/>
+                  <a:pt x="288" y="968"/>
+                  <a:pt x="318" y="968"/>
+                </a:cubicBezTo>
+                <a:cubicBezTo>
+                  <a:pt x="781" y="968"/>
+                  <a:pt x="781" y="968"/>
+                  <a:pt x="781" y="968"/>
+                </a:cubicBezTo>
+                <a:cubicBezTo>
+                  <a:pt x="810" y="968"/>
+                  <a:pt x="838" y="952"/>
+                  <a:pt x="852" y="926"/>
+                </a:cubicBezTo>
+                <a:cubicBezTo>
+                  <a:pt x="1084" y="525"/>
+                  <a:pt x="1084" y="525"/>
+                  <a:pt x="1084" y="525"/>
+                </a:cubicBezTo>
+                <a:cubicBezTo>
+                  <a:pt x="1099" y="500"/>
+                  <a:pt x="1099" y="468"/>
+                  <a:pt x="1084" y="443"/>
+                </a:cubicBezTo>
+                <a:cubicBezTo>
+                  <a:pt x="852" y="42"/>
+                  <a:pt x="852" y="42"/>
+                  <a:pt x="852" y="42"/>
+                </a:cubicBezTo>
+                <a:cubicBezTo>
+                  <a:pt x="838" y="16"/>
+                  <a:pt x="810" y="0"/>
+                  <a:pt x="781" y="0"/>
+                </a:cubicBezTo>
+                <a:close/>
+              </a:path>
+            </a:pathLst>
+          </a:custGeom>
+          <a:noFill/>
+          <a:ln w="50800" cap="flat">
+            <a:solidFill>
+              <a:schemeClr val="tx1"/>
+            </a:solidFill>
+            <a:prstDash val="solid"/>
+            <a:miter lim="800000"/>
+            <a:headEnd/>
+            <a:tailEnd/>
+          </a:ln>
+        </p:spPr>
+        <p:txBody>
+          <a:bodyPr vert="horz" wrap="square" lIns="91440" tIns="45720" rIns="91440" bIns="45720" numCol="1" anchor="t" anchorCtr="0" compatLnSpc="1">
+            <a:prstTxWarp prst="textNoShape">
+              <a:avLst/>
+            </a:prstTxWarp>
+          </a:bodyPr>
+          <a:lstStyle/>
+          <a:p>
+            <a:endParaRPr lang="en-US" dirty="0"/>
+          </a:p>
+        </p:txBody>
+      </p:sp>
+      <p:sp>
+        <p:nvSpPr>
+          <p:cNvPr id="18" name="Freeform: Shape 17">
+            <a:extLst>
+              <a:ext uri="{FF2B5EF4-FFF2-40B4-BE49-F238E27FC236}">
+                <a16:creationId xmlns:a16="http://schemas.microsoft.com/office/drawing/2014/main" id="{FA6F8ABB-6C5D-4349-9E1B-198D1ABFA804}"/>
+              </a:ext>
+              <a:ext uri="{C183D7F6-B498-43B3-948B-1728B52AA6E4}">
+                <adec:decorative xmlns:adec="http://schemas.microsoft.com/office/drawing/2017/decorative" val="1"/>
+              </a:ext>
+            </a:extLst>
+          </p:cNvPr>
+          <p:cNvSpPr>
+            <a:spLocks noGrp="1" noRot="1" noChangeAspect="1" noMove="1" noResize="1" noEditPoints="1" noAdjustHandles="1" noChangeArrowheads="1" noChangeShapeType="1" noTextEdit="1"/>
+          </p:cNvSpPr>
+          <p:nvPr>
+            <p:extLst>
+              <p:ext uri="{386F3935-93C4-4BCD-93E2-E3B085C9AB24}">
+                <p16:designElem xmlns:p16="http://schemas.microsoft.com/office/powerpoint/2015/main" val="1"/>
+              </p:ext>
+            </p:extLst>
+          </p:nvPr>
+        </p:nvSpPr>
+        <p:spPr>
+          <a:xfrm>
+            <a:off x="5952343" y="643383"/>
+            <a:ext cx="2926988" cy="2594434"/>
+          </a:xfrm>
+          <a:custGeom>
+            <a:avLst/>
+            <a:gdLst>
+              <a:gd name="connsiteX0" fmla="*/ 853538 w 2991693"/>
+              <a:gd name="connsiteY0" fmla="*/ 0 h 2651787"/>
+              <a:gd name="connsiteX1" fmla="*/ 2141030 w 2991693"/>
+              <a:gd name="connsiteY1" fmla="*/ 0 h 2651787"/>
+              <a:gd name="connsiteX2" fmla="*/ 2324957 w 2991693"/>
+              <a:gd name="connsiteY2" fmla="*/ 103466 h 2651787"/>
+              <a:gd name="connsiteX3" fmla="*/ 2968702 w 2991693"/>
+              <a:gd name="connsiteY3" fmla="*/ 1218596 h 2651787"/>
+              <a:gd name="connsiteX4" fmla="*/ 2968702 w 2991693"/>
+              <a:gd name="connsiteY4" fmla="*/ 1433192 h 2651787"/>
+              <a:gd name="connsiteX5" fmla="*/ 2324957 w 2991693"/>
+              <a:gd name="connsiteY5" fmla="*/ 2548321 h 2651787"/>
+              <a:gd name="connsiteX6" fmla="*/ 2141030 w 2991693"/>
+              <a:gd name="connsiteY6" fmla="*/ 2651787 h 2651787"/>
+              <a:gd name="connsiteX7" fmla="*/ 853538 w 2991693"/>
+              <a:gd name="connsiteY7" fmla="*/ 2651787 h 2651787"/>
+              <a:gd name="connsiteX8" fmla="*/ 669612 w 2991693"/>
+              <a:gd name="connsiteY8" fmla="*/ 2548321 h 2651787"/>
+              <a:gd name="connsiteX9" fmla="*/ 25866 w 2991693"/>
+              <a:gd name="connsiteY9" fmla="*/ 1433192 h 2651787"/>
+              <a:gd name="connsiteX10" fmla="*/ 25866 w 2991693"/>
+              <a:gd name="connsiteY10" fmla="*/ 1218596 h 2651787"/>
+              <a:gd name="connsiteX11" fmla="*/ 669612 w 2991693"/>
+              <a:gd name="connsiteY11" fmla="*/ 103466 h 2651787"/>
+              <a:gd name="connsiteX12" fmla="*/ 853538 w 2991693"/>
+              <a:gd name="connsiteY12" fmla="*/ 0 h 2651787"/>
+            </a:gdLst>
+            <a:ahLst/>
+            <a:cxnLst>
+              <a:cxn ang="0">
+                <a:pos x="connsiteX0" y="connsiteY0"/>
+              </a:cxn>
+              <a:cxn ang="0">
+                <a:pos x="connsiteX1" y="connsiteY1"/>
+              </a:cxn>
+              <a:cxn ang="0">
+                <a:pos x="connsiteX2" y="connsiteY2"/>
+              </a:cxn>
+              <a:cxn ang="0">
+                <a:pos x="connsiteX3" y="connsiteY3"/>
+              </a:cxn>
+              <a:cxn ang="0">
+                <a:pos x="connsiteX4" y="connsiteY4"/>
+              </a:cxn>
+              <a:cxn ang="0">
+                <a:pos x="connsiteX5" y="connsiteY5"/>
+              </a:cxn>
+              <a:cxn ang="0">
+                <a:pos x="connsiteX6" y="connsiteY6"/>
+              </a:cxn>
+              <a:cxn ang="0">
+                <a:pos x="connsiteX7" y="connsiteY7"/>
+              </a:cxn>
+              <a:cxn ang="0">
+                <a:pos x="connsiteX8" y="connsiteY8"/>
+              </a:cxn>
+              <a:cxn ang="0">
+                <a:pos x="connsiteX9" y="connsiteY9"/>
+              </a:cxn>
+              <a:cxn ang="0">
+                <a:pos x="connsiteX10" y="connsiteY10"/>
+              </a:cxn>
+              <a:cxn ang="0">
+                <a:pos x="connsiteX11" y="connsiteY11"/>
+              </a:cxn>
+              <a:cxn ang="0">
+                <a:pos x="connsiteX12" y="connsiteY12"/>
+              </a:cxn>
+            </a:cxnLst>
+            <a:rect l="l" t="t" r="r" b="b"/>
+            <a:pathLst>
+              <a:path w="2991693" h="2651787">
+                <a:moveTo>
+                  <a:pt x="853538" y="0"/>
+                </a:moveTo>
+                <a:cubicBezTo>
+                  <a:pt x="2141030" y="0"/>
+                  <a:pt x="2141030" y="0"/>
+                  <a:pt x="2141030" y="0"/>
+                </a:cubicBezTo>
+                <a:cubicBezTo>
+                  <a:pt x="2206170" y="0"/>
+                  <a:pt x="2290471" y="45985"/>
+                  <a:pt x="2324957" y="103466"/>
+                </a:cubicBezTo>
+                <a:cubicBezTo>
+                  <a:pt x="2968702" y="1218596"/>
+                  <a:pt x="2968702" y="1218596"/>
+                  <a:pt x="2968702" y="1218596"/>
+                </a:cubicBezTo>
+                <a:cubicBezTo>
+                  <a:pt x="2999357" y="1279909"/>
+                  <a:pt x="2999357" y="1371878"/>
+                  <a:pt x="2968702" y="1433192"/>
+                </a:cubicBezTo>
+                <a:cubicBezTo>
+                  <a:pt x="2324957" y="2548321"/>
+                  <a:pt x="2324957" y="2548321"/>
+                  <a:pt x="2324957" y="2548321"/>
+                </a:cubicBezTo>
+                <a:cubicBezTo>
+                  <a:pt x="2290471" y="2605803"/>
+                  <a:pt x="2206170" y="2651787"/>
+                  <a:pt x="2141030" y="2651787"/>
+                </a:cubicBezTo>
+                <a:lnTo>
+                  <a:pt x="853538" y="2651787"/>
+                </a:lnTo>
+                <a:cubicBezTo>
+                  <a:pt x="784566" y="2651787"/>
+                  <a:pt x="700266" y="2605803"/>
+                  <a:pt x="669612" y="2548321"/>
+                </a:cubicBezTo>
+                <a:cubicBezTo>
+                  <a:pt x="25866" y="1433192"/>
+                  <a:pt x="25866" y="1433192"/>
+                  <a:pt x="25866" y="1433192"/>
+                </a:cubicBezTo>
+                <a:cubicBezTo>
+                  <a:pt x="-8621" y="1371878"/>
+                  <a:pt x="-8621" y="1279909"/>
+                  <a:pt x="25866" y="1218596"/>
+                </a:cubicBezTo>
+                <a:cubicBezTo>
+                  <a:pt x="669612" y="103466"/>
+                  <a:pt x="669612" y="103466"/>
+                  <a:pt x="669612" y="103466"/>
+                </a:cubicBezTo>
+                <a:cubicBezTo>
+                  <a:pt x="700266" y="45985"/>
+                  <a:pt x="784566" y="0"/>
+                  <a:pt x="853538" y="0"/>
+                </a:cubicBezTo>
+                <a:close/>
+              </a:path>
+            </a:pathLst>
+          </a:custGeom>
+          <a:solidFill>
+            <a:schemeClr val="tx1"/>
+          </a:solidFill>
+          <a:ln w="50800">
+            <a:noFill/>
+          </a:ln>
+        </p:spPr>
+        <p:style>
+          <a:lnRef idx="2">
+            <a:schemeClr val="accent1">
+              <a:shade val="50000"/>
+            </a:schemeClr>
+          </a:lnRef>
+          <a:fillRef idx="1">
+            <a:schemeClr val="accent1"/>
+          </a:fillRef>
+          <a:effectRef idx="0">
+            <a:schemeClr val="accent1"/>
+          </a:effectRef>
+          <a:fontRef idx="minor">
+            <a:schemeClr val="lt1"/>
+          </a:fontRef>
+        </p:style>
+        <p:txBody>
+          <a:bodyPr wrap="square" rtlCol="0" anchor="ctr">
+            <a:noAutofit/>
+          </a:bodyPr>
+          <a:lstStyle/>
+          <a:p>
+            <a:pPr algn="ctr"/>
+            <a:endParaRPr lang="en-US" dirty="0"/>
+          </a:p>
+        </p:txBody>
+      </p:sp>
+      <p:sp>
+        <p:nvSpPr>
+          <p:cNvPr id="20" name="Freeform: Shape 19">
+            <a:extLst>
+              <a:ext uri="{FF2B5EF4-FFF2-40B4-BE49-F238E27FC236}">
+                <a16:creationId xmlns:a16="http://schemas.microsoft.com/office/drawing/2014/main" id="{B971ABA8-4CDB-4EEE-8C48-AA4FDB650782}"/>
+              </a:ext>
+              <a:ext uri="{C183D7F6-B498-43B3-948B-1728B52AA6E4}">
+                <adec:decorative xmlns:adec="http://schemas.microsoft.com/office/drawing/2017/decorative" val="1"/>
+              </a:ext>
+            </a:extLst>
+          </p:cNvPr>
+          <p:cNvSpPr>
+            <a:spLocks noGrp="1" noRot="1" noChangeAspect="1" noMove="1" noResize="1" noEditPoints="1" noAdjustHandles="1" noChangeArrowheads="1" noChangeShapeType="1" noTextEdit="1"/>
+          </p:cNvSpPr>
+          <p:nvPr>
+            <p:extLst>
+              <p:ext uri="{386F3935-93C4-4BCD-93E2-E3B085C9AB24}">
+                <p16:designElem xmlns:p16="http://schemas.microsoft.com/office/powerpoint/2015/main" val="1"/>
+              </p:ext>
+            </p:extLst>
+          </p:nvPr>
+        </p:nvSpPr>
+        <p:spPr>
+          <a:xfrm>
+            <a:off x="3" y="2071858"/>
+            <a:ext cx="8109718" cy="4786143"/>
+          </a:xfrm>
+          <a:custGeom>
+            <a:avLst/>
+            <a:gdLst>
+              <a:gd name="connsiteX0" fmla="*/ 7381313 w 8109718"/>
+              <a:gd name="connsiteY0" fmla="*/ 1839459 h 4786143"/>
+              <a:gd name="connsiteX1" fmla="*/ 7381313 w 8109718"/>
+              <a:gd name="connsiteY1" fmla="*/ 1853646 h 4786143"/>
+              <a:gd name="connsiteX2" fmla="*/ 7379359 w 8109718"/>
+              <a:gd name="connsiteY2" fmla="*/ 1846552 h 4786143"/>
+              <a:gd name="connsiteX3" fmla="*/ 1321854 w 8109718"/>
+              <a:gd name="connsiteY3" fmla="*/ 0 h 4786143"/>
+              <a:gd name="connsiteX4" fmla="*/ 5365317 w 8109718"/>
+              <a:gd name="connsiteY4" fmla="*/ 0 h 4786143"/>
+              <a:gd name="connsiteX5" fmla="*/ 5985373 w 8109718"/>
+              <a:gd name="connsiteY5" fmla="*/ 365439 h 4786143"/>
+              <a:gd name="connsiteX6" fmla="*/ 8011470 w 8109718"/>
+              <a:gd name="connsiteY6" fmla="*/ 3854515 h 4786143"/>
+              <a:gd name="connsiteX7" fmla="*/ 8011470 w 8109718"/>
+              <a:gd name="connsiteY7" fmla="*/ 4567993 h 4786143"/>
+              <a:gd name="connsiteX8" fmla="*/ 7904625 w 8109718"/>
+              <a:gd name="connsiteY8" fmla="*/ 4751987 h 4786143"/>
+              <a:gd name="connsiteX9" fmla="*/ 7884791 w 8109718"/>
+              <a:gd name="connsiteY9" fmla="*/ 4786143 h 4786143"/>
+              <a:gd name="connsiteX10" fmla="*/ 0 w 8109718"/>
+              <a:gd name="connsiteY10" fmla="*/ 4786143 h 4786143"/>
+              <a:gd name="connsiteX11" fmla="*/ 0 w 8109718"/>
+              <a:gd name="connsiteY11" fmla="*/ 1564110 h 4786143"/>
+              <a:gd name="connsiteX12" fmla="*/ 27177 w 8109718"/>
+              <a:gd name="connsiteY12" fmla="*/ 1517107 h 4786143"/>
+              <a:gd name="connsiteX13" fmla="*/ 693065 w 8109718"/>
+              <a:gd name="connsiteY13" fmla="*/ 365439 h 4786143"/>
+              <a:gd name="connsiteX14" fmla="*/ 1321854 w 8109718"/>
+              <a:gd name="connsiteY14" fmla="*/ 0 h 4786143"/>
+            </a:gdLst>
+            <a:ahLst/>
+            <a:cxnLst>
+              <a:cxn ang="0">
+                <a:pos x="connsiteX0" y="connsiteY0"/>
+              </a:cxn>
+              <a:cxn ang="0">
+                <a:pos x="connsiteX1" y="connsiteY1"/>
+              </a:cxn>
+              <a:cxn ang="0">
+                <a:pos x="connsiteX2" y="connsiteY2"/>
+              </a:cxn>
+              <a:cxn ang="0">
+                <a:pos x="connsiteX3" y="connsiteY3"/>
+              </a:cxn>
+              <a:cxn ang="0">
+                <a:pos x="connsiteX4" y="connsiteY4"/>
+              </a:cxn>
+              <a:cxn ang="0">
+                <a:pos x="connsiteX5" y="connsiteY5"/>
+              </a:cxn>
+              <a:cxn ang="0">
+                <a:pos x="connsiteX6" y="connsiteY6"/>
+              </a:cxn>
+              <a:cxn ang="0">
+                <a:pos x="connsiteX7" y="connsiteY7"/>
+              </a:cxn>
+              <a:cxn ang="0">
+                <a:pos x="connsiteX8" y="connsiteY8"/>
+              </a:cxn>
+              <a:cxn ang="0">
+                <a:pos x="connsiteX9" y="connsiteY9"/>
+              </a:cxn>
+              <a:cxn ang="0">
+                <a:pos x="connsiteX10" y="connsiteY10"/>
+              </a:cxn>
+              <a:cxn ang="0">
+                <a:pos x="connsiteX11" y="connsiteY11"/>
+              </a:cxn>
+              <a:cxn ang="0">
+                <a:pos x="connsiteX12" y="connsiteY12"/>
+              </a:cxn>
+              <a:cxn ang="0">
+                <a:pos x="connsiteX13" y="connsiteY13"/>
+              </a:cxn>
+              <a:cxn ang="0">
+                <a:pos x="connsiteX14" y="connsiteY14"/>
+              </a:cxn>
+            </a:cxnLst>
+            <a:rect l="l" t="t" r="r" b="b"/>
+            <a:pathLst>
+              <a:path w="8109718" h="4786143">
+                <a:moveTo>
+                  <a:pt x="7381313" y="1839459"/>
+                </a:moveTo>
+                <a:lnTo>
+                  <a:pt x="7381313" y="1853646"/>
+                </a:lnTo>
+                <a:lnTo>
+                  <a:pt x="7379359" y="1846552"/>
+                </a:lnTo>
+                <a:close/>
+                <a:moveTo>
+                  <a:pt x="1321854" y="0"/>
+                </a:moveTo>
+                <a:cubicBezTo>
+                  <a:pt x="1321854" y="0"/>
+                  <a:pt x="1321854" y="0"/>
+                  <a:pt x="5365317" y="0"/>
+                </a:cubicBezTo>
+                <a:cubicBezTo>
+                  <a:pt x="5618580" y="0"/>
+                  <a:pt x="5863108" y="139215"/>
+                  <a:pt x="5985373" y="365439"/>
+                </a:cubicBezTo>
+                <a:cubicBezTo>
+                  <a:pt x="5985373" y="365439"/>
+                  <a:pt x="5985373" y="365439"/>
+                  <a:pt x="8011470" y="3854515"/>
+                </a:cubicBezTo>
+                <a:cubicBezTo>
+                  <a:pt x="8142468" y="4072039"/>
+                  <a:pt x="8142468" y="4350470"/>
+                  <a:pt x="8011470" y="4567993"/>
+                </a:cubicBezTo>
+                <a:cubicBezTo>
+                  <a:pt x="8011470" y="4567993"/>
+                  <a:pt x="8011470" y="4567993"/>
+                  <a:pt x="7904625" y="4751987"/>
+                </a:cubicBezTo>
+                <a:lnTo>
+                  <a:pt x="7884791" y="4786143"/>
+                </a:lnTo>
+                <a:lnTo>
+                  <a:pt x="0" y="4786143"/>
+                </a:lnTo>
+                <a:lnTo>
+                  <a:pt x="0" y="1564110"/>
+                </a:lnTo>
+                <a:lnTo>
+                  <a:pt x="27177" y="1517107"/>
+                </a:lnTo>
+                <a:cubicBezTo>
+                  <a:pt x="220245" y="1183191"/>
+                  <a:pt x="440895" y="801574"/>
+                  <a:pt x="693065" y="365439"/>
+                </a:cubicBezTo>
+                <a:cubicBezTo>
+                  <a:pt x="824063" y="139215"/>
+                  <a:pt x="1059859" y="0"/>
+                  <a:pt x="1321854" y="0"/>
+                </a:cubicBezTo>
+                <a:close/>
+              </a:path>
+            </a:pathLst>
+          </a:custGeom>
+          <a:solidFill>
+            <a:schemeClr val="tx1">
+              <a:lumMod val="85000"/>
+              <a:lumOff val="15000"/>
+              <a:alpha val="99000"/>
+            </a:schemeClr>
+          </a:solidFill>
+          <a:ln>
+            <a:noFill/>
+          </a:ln>
+        </p:spPr>
+        <p:style>
+          <a:lnRef idx="2">
+            <a:schemeClr val="accent1">
+              <a:shade val="50000"/>
+            </a:schemeClr>
+          </a:lnRef>
+          <a:fillRef idx="1">
+            <a:schemeClr val="accent1"/>
+          </a:fillRef>
+          <a:effectRef idx="0">
+            <a:schemeClr val="accent1"/>
+          </a:effectRef>
+          <a:fontRef idx="minor">
+            <a:schemeClr val="lt1"/>
+          </a:fontRef>
+        </p:style>
+        <p:txBody>
+          <a:bodyPr wrap="square" rtlCol="0" anchor="ctr">
+            <a:noAutofit/>
+          </a:bodyPr>
+          <a:lstStyle/>
+          <a:p>
+            <a:pPr algn="ctr"/>
+            <a:endParaRPr lang="en-US"/>
+          </a:p>
+        </p:txBody>
+      </p:sp>
+      <p:sp>
+        <p:nvSpPr>
+          <p:cNvPr id="9" name="TextBox 8">
+            <a:extLst>
+              <a:ext uri="{FF2B5EF4-FFF2-40B4-BE49-F238E27FC236}">
+                <a16:creationId xmlns:a16="http://schemas.microsoft.com/office/drawing/2014/main" id="{72F1BA2C-3BFD-4421-99C1-0859E6F3E7A4}"/>
+              </a:ext>
+            </a:extLst>
+          </p:cNvPr>
+          <p:cNvSpPr txBox="1"/>
+          <p:nvPr/>
+        </p:nvSpPr>
+        <p:spPr>
+          <a:xfrm>
+            <a:off x="880281" y="2961564"/>
+            <a:ext cx="5124734" cy="3268639"/>
+          </a:xfrm>
+          <a:prstGeom prst="rect">
+            <a:avLst/>
+          </a:prstGeom>
+        </p:spPr>
+        <p:txBody>
+          <a:bodyPr vert="horz" lIns="91440" tIns="45720" rIns="91440" bIns="45720" rtlCol="0" anchor="ctr">
+            <a:normAutofit/>
+          </a:bodyPr>
+          <a:lstStyle/>
+          <a:p>
+            <a:pPr>
+              <a:lnSpc>
+                <a:spcPct val="90000"/>
+              </a:lnSpc>
+              <a:spcBef>
+                <a:spcPct val="0"/>
+              </a:spcBef>
+              <a:spcAft>
+                <a:spcPts val="600"/>
+              </a:spcAft>
+            </a:pPr>
+            <a:r>
+              <a:rPr lang="en-US" sz="7200" b="1" kern="1200" dirty="0">
+                <a:solidFill>
+                  <a:schemeClr val="bg1"/>
+                </a:solidFill>
+                <a:latin typeface="+mj-lt"/>
+                <a:ea typeface="+mj-ea"/>
+                <a:cs typeface="+mj-cs"/>
+              </a:rPr>
+              <a:t>THANK YOU</a:t>
+            </a:r>
+            <a:endParaRPr lang="en-US" sz="7200" kern="1200" dirty="0">
+              <a:solidFill>
+                <a:schemeClr val="bg1"/>
+              </a:solidFill>
+              <a:latin typeface="+mj-lt"/>
+              <a:ea typeface="+mj-ea"/>
+              <a:cs typeface="+mj-cs"/>
+            </a:endParaRPr>
+          </a:p>
+        </p:txBody>
+      </p:sp>
+      <p:grpSp>
+        <p:nvGrpSpPr>
+          <p:cNvPr id="22" name="Group 21">
+            <a:extLst>
+              <a:ext uri="{FF2B5EF4-FFF2-40B4-BE49-F238E27FC236}">
+                <a16:creationId xmlns:a16="http://schemas.microsoft.com/office/drawing/2014/main" id="{DAD463E1-6621-44B4-A995-C70A4631D388}"/>
+              </a:ext>
+              <a:ext uri="{C183D7F6-B498-43B3-948B-1728B52AA6E4}">
+                <adec:decorative xmlns:adec="http://schemas.microsoft.com/office/drawing/2017/decorative" val="1"/>
+              </a:ext>
+            </a:extLst>
+          </p:cNvPr>
+          <p:cNvGrpSpPr>
+            <a:grpSpLocks noGrp="1" noUngrp="1" noRot="1" noChangeAspect="1" noMove="1" noResize="1"/>
+          </p:cNvGrpSpPr>
+          <p:nvPr>
+            <p:extLst>
+              <p:ext uri="{386F3935-93C4-4BCD-93E2-E3B085C9AB24}">
+                <p16:designElem xmlns:p16="http://schemas.microsoft.com/office/powerpoint/2015/main" val="1"/>
+              </p:ext>
+            </p:extLst>
+          </p:nvPr>
+        </p:nvGrpSpPr>
+        <p:grpSpPr>
+          <a:xfrm>
+            <a:off x="5307830" y="385730"/>
+            <a:ext cx="1128382" cy="847206"/>
+            <a:chOff x="5307830" y="325570"/>
+            <a:chExt cx="1128382" cy="847206"/>
+          </a:xfrm>
+        </p:grpSpPr>
+        <p:sp>
+          <p:nvSpPr>
+            <p:cNvPr id="23" name="Freeform 5">
+              <a:extLst>
+                <a:ext uri="{FF2B5EF4-FFF2-40B4-BE49-F238E27FC236}">
+                  <a16:creationId xmlns:a16="http://schemas.microsoft.com/office/drawing/2014/main" id="{A152F29E-C625-4313-96BF-5675B357C03A}"/>
+                </a:ext>
+                <a:ext uri="{C183D7F6-B498-43B3-948B-1728B52AA6E4}">
+                  <adec:decorative xmlns:adec="http://schemas.microsoft.com/office/drawing/2017/decorative" val="1"/>
+                </a:ext>
+              </a:extLst>
+            </p:cNvPr>
+            <p:cNvSpPr>
+              <a:spLocks/>
+            </p:cNvSpPr>
+            <p:nvPr>
+              <p:extLst>
+                <p:ext uri="{386F3935-93C4-4BCD-93E2-E3B085C9AB24}">
+                  <p16:designElem xmlns:p16="http://schemas.microsoft.com/office/powerpoint/2015/main" val="1"/>
+                </p:ext>
+              </p:extLst>
+            </p:nvPr>
+          </p:nvSpPr>
+          <p:spPr bwMode="auto">
+            <a:xfrm>
+              <a:off x="5307830" y="577396"/>
+              <a:ext cx="675351" cy="595380"/>
+            </a:xfrm>
+            <a:custGeom>
+              <a:avLst/>
+              <a:gdLst>
+                <a:gd name="T0" fmla="*/ 225 w 785"/>
+                <a:gd name="T1" fmla="*/ 692 h 692"/>
+                <a:gd name="T2" fmla="*/ 177 w 785"/>
+                <a:gd name="T3" fmla="*/ 665 h 692"/>
+                <a:gd name="T4" fmla="*/ 9 w 785"/>
+                <a:gd name="T5" fmla="*/ 374 h 692"/>
+                <a:gd name="T6" fmla="*/ 9 w 785"/>
+                <a:gd name="T7" fmla="*/ 318 h 692"/>
+                <a:gd name="T8" fmla="*/ 177 w 785"/>
+                <a:gd name="T9" fmla="*/ 27 h 692"/>
+                <a:gd name="T10" fmla="*/ 225 w 785"/>
+                <a:gd name="T11" fmla="*/ 0 h 692"/>
+                <a:gd name="T12" fmla="*/ 561 w 785"/>
+                <a:gd name="T13" fmla="*/ 0 h 692"/>
+                <a:gd name="T14" fmla="*/ 609 w 785"/>
+                <a:gd name="T15" fmla="*/ 27 h 692"/>
+                <a:gd name="T16" fmla="*/ 777 w 785"/>
+                <a:gd name="T17" fmla="*/ 318 h 692"/>
+                <a:gd name="T18" fmla="*/ 777 w 785"/>
+                <a:gd name="T19" fmla="*/ 374 h 692"/>
+                <a:gd name="T20" fmla="*/ 609 w 785"/>
+                <a:gd name="T21" fmla="*/ 665 h 692"/>
+                <a:gd name="T22" fmla="*/ 561 w 785"/>
+                <a:gd name="T23" fmla="*/ 692 h 692"/>
+                <a:gd name="T24" fmla="*/ 225 w 785"/>
+                <a:gd name="T25" fmla="*/ 692 h 692"/>
+              </a:gdLst>
+              <a:ahLst/>
+              <a:cxnLst>
+                <a:cxn ang="0">
+                  <a:pos x="T0" y="T1"/>
+                </a:cxn>
+                <a:cxn ang="0">
+                  <a:pos x="T2" y="T3"/>
+                </a:cxn>
+                <a:cxn ang="0">
+                  <a:pos x="T4" y="T5"/>
+                </a:cxn>
+                <a:cxn ang="0">
+                  <a:pos x="T6" y="T7"/>
+                </a:cxn>
+                <a:cxn ang="0">
+                  <a:pos x="T8" y="T9"/>
+                </a:cxn>
+                <a:cxn ang="0">
+                  <a:pos x="T10" y="T11"/>
+                </a:cxn>
+                <a:cxn ang="0">
+                  <a:pos x="T12" y="T13"/>
+                </a:cxn>
+                <a:cxn ang="0">
+                  <a:pos x="T14" y="T15"/>
+                </a:cxn>
+                <a:cxn ang="0">
+                  <a:pos x="T16" y="T17"/>
+                </a:cxn>
+                <a:cxn ang="0">
+                  <a:pos x="T18" y="T19"/>
+                </a:cxn>
+                <a:cxn ang="0">
+                  <a:pos x="T20" y="T21"/>
+                </a:cxn>
+                <a:cxn ang="0">
+                  <a:pos x="T22" y="T23"/>
+                </a:cxn>
+                <a:cxn ang="0">
+                  <a:pos x="T24" y="T25"/>
+                </a:cxn>
+              </a:cxnLst>
+              <a:rect l="0" t="0" r="r" b="b"/>
+              <a:pathLst>
+                <a:path w="785" h="692">
+                  <a:moveTo>
+                    <a:pt x="225" y="692"/>
+                  </a:moveTo>
+                  <a:cubicBezTo>
+                    <a:pt x="207" y="692"/>
+                    <a:pt x="185" y="680"/>
+                    <a:pt x="177" y="665"/>
+                  </a:cubicBezTo>
+                  <a:cubicBezTo>
+                    <a:pt x="9" y="374"/>
+                    <a:pt x="9" y="374"/>
+                    <a:pt x="9" y="374"/>
+                  </a:cubicBezTo>
+                  <a:cubicBezTo>
+                    <a:pt x="0" y="358"/>
+                    <a:pt x="0" y="334"/>
+                    <a:pt x="9" y="318"/>
+                  </a:cubicBezTo>
+                  <a:cubicBezTo>
+                    <a:pt x="177" y="27"/>
+                    <a:pt x="177" y="27"/>
+                    <a:pt x="177" y="27"/>
+                  </a:cubicBezTo>
+                  <a:cubicBezTo>
+                    <a:pt x="185" y="12"/>
+                    <a:pt x="207" y="0"/>
+                    <a:pt x="225" y="0"/>
+                  </a:cubicBezTo>
+                  <a:cubicBezTo>
+                    <a:pt x="561" y="0"/>
+                    <a:pt x="561" y="0"/>
+                    <a:pt x="561" y="0"/>
+                  </a:cubicBezTo>
+                  <a:cubicBezTo>
+                    <a:pt x="578" y="0"/>
+                    <a:pt x="600" y="12"/>
+                    <a:pt x="609" y="27"/>
+                  </a:cubicBezTo>
+                  <a:cubicBezTo>
+                    <a:pt x="777" y="318"/>
+                    <a:pt x="777" y="318"/>
+                    <a:pt x="777" y="318"/>
+                  </a:cubicBezTo>
+                  <a:cubicBezTo>
+                    <a:pt x="785" y="334"/>
+                    <a:pt x="785" y="358"/>
+                    <a:pt x="777" y="374"/>
+                  </a:cubicBezTo>
+                  <a:cubicBezTo>
+                    <a:pt x="609" y="665"/>
+                    <a:pt x="609" y="665"/>
+                    <a:pt x="609" y="665"/>
+                  </a:cubicBezTo>
+                  <a:cubicBezTo>
+                    <a:pt x="600" y="680"/>
+                    <a:pt x="578" y="692"/>
+                    <a:pt x="561" y="692"/>
+                  </a:cubicBezTo>
+                  <a:lnTo>
+                    <a:pt x="225" y="692"/>
+                  </a:lnTo>
+                  <a:close/>
+                </a:path>
+              </a:pathLst>
+            </a:custGeom>
+            <a:noFill/>
+            <a:ln w="28575" cmpd="sng">
+              <a:solidFill>
+                <a:schemeClr val="tx1"/>
+              </a:solidFill>
+            </a:ln>
+          </p:spPr>
+          <p:txBody>
+            <a:bodyPr vert="horz" wrap="square" lIns="91440" tIns="45720" rIns="91440" bIns="45720" numCol="1" anchor="t" anchorCtr="0" compatLnSpc="1">
+              <a:prstTxWarp prst="textNoShape">
+                <a:avLst/>
+              </a:prstTxWarp>
+            </a:bodyPr>
+            <a:lstStyle/>
+            <a:p>
+              <a:endParaRPr lang="en-US"/>
+            </a:p>
+          </p:txBody>
+        </p:sp>
+        <p:sp>
+          <p:nvSpPr>
+            <p:cNvPr id="24" name="Freeform 5">
+              <a:extLst>
+                <a:ext uri="{FF2B5EF4-FFF2-40B4-BE49-F238E27FC236}">
+                  <a16:creationId xmlns:a16="http://schemas.microsoft.com/office/drawing/2014/main" id="{C2A5CB78-6497-4151-83B6-568BD27EC573}"/>
+                </a:ext>
+                <a:ext uri="{C183D7F6-B498-43B3-948B-1728B52AA6E4}">
+                  <adec:decorative xmlns:adec="http://schemas.microsoft.com/office/drawing/2017/decorative" val="1"/>
+                </a:ext>
+              </a:extLst>
+            </p:cNvPr>
+            <p:cNvSpPr>
+              <a:spLocks/>
+            </p:cNvSpPr>
+            <p:nvPr>
+              <p:extLst>
+                <p:ext uri="{386F3935-93C4-4BCD-93E2-E3B085C9AB24}">
+                  <p16:designElem xmlns:p16="http://schemas.microsoft.com/office/powerpoint/2015/main" val="1"/>
+                </p:ext>
+              </p:extLst>
+            </p:nvPr>
+          </p:nvSpPr>
+          <p:spPr bwMode="auto">
+            <a:xfrm>
+              <a:off x="5885720" y="325570"/>
+              <a:ext cx="550492" cy="485306"/>
+            </a:xfrm>
+            <a:custGeom>
+              <a:avLst/>
+              <a:gdLst>
+                <a:gd name="T0" fmla="*/ 225 w 785"/>
+                <a:gd name="T1" fmla="*/ 692 h 692"/>
+                <a:gd name="T2" fmla="*/ 177 w 785"/>
+                <a:gd name="T3" fmla="*/ 665 h 692"/>
+                <a:gd name="T4" fmla="*/ 9 w 785"/>
+                <a:gd name="T5" fmla="*/ 374 h 692"/>
+                <a:gd name="T6" fmla="*/ 9 w 785"/>
+                <a:gd name="T7" fmla="*/ 318 h 692"/>
+                <a:gd name="T8" fmla="*/ 177 w 785"/>
+                <a:gd name="T9" fmla="*/ 27 h 692"/>
+                <a:gd name="T10" fmla="*/ 225 w 785"/>
+                <a:gd name="T11" fmla="*/ 0 h 692"/>
+                <a:gd name="T12" fmla="*/ 561 w 785"/>
+                <a:gd name="T13" fmla="*/ 0 h 692"/>
+                <a:gd name="T14" fmla="*/ 609 w 785"/>
+                <a:gd name="T15" fmla="*/ 27 h 692"/>
+                <a:gd name="T16" fmla="*/ 777 w 785"/>
+                <a:gd name="T17" fmla="*/ 318 h 692"/>
+                <a:gd name="T18" fmla="*/ 777 w 785"/>
+                <a:gd name="T19" fmla="*/ 374 h 692"/>
+                <a:gd name="T20" fmla="*/ 609 w 785"/>
+                <a:gd name="T21" fmla="*/ 665 h 692"/>
+                <a:gd name="T22" fmla="*/ 561 w 785"/>
+                <a:gd name="T23" fmla="*/ 692 h 692"/>
+                <a:gd name="T24" fmla="*/ 225 w 785"/>
+                <a:gd name="T25" fmla="*/ 692 h 692"/>
+              </a:gdLst>
+              <a:ahLst/>
+              <a:cxnLst>
+                <a:cxn ang="0">
+                  <a:pos x="T0" y="T1"/>
+                </a:cxn>
+                <a:cxn ang="0">
+                  <a:pos x="T2" y="T3"/>
+                </a:cxn>
+                <a:cxn ang="0">
+                  <a:pos x="T4" y="T5"/>
+                </a:cxn>
+                <a:cxn ang="0">
+                  <a:pos x="T6" y="T7"/>
+                </a:cxn>
+                <a:cxn ang="0">
+                  <a:pos x="T8" y="T9"/>
+                </a:cxn>
+                <a:cxn ang="0">
+                  <a:pos x="T10" y="T11"/>
+                </a:cxn>
+                <a:cxn ang="0">
+                  <a:pos x="T12" y="T13"/>
+                </a:cxn>
+                <a:cxn ang="0">
+                  <a:pos x="T14" y="T15"/>
+                </a:cxn>
+                <a:cxn ang="0">
+                  <a:pos x="T16" y="T17"/>
+                </a:cxn>
+                <a:cxn ang="0">
+                  <a:pos x="T18" y="T19"/>
+                </a:cxn>
+                <a:cxn ang="0">
+                  <a:pos x="T20" y="T21"/>
+                </a:cxn>
+                <a:cxn ang="0">
+                  <a:pos x="T22" y="T23"/>
+                </a:cxn>
+                <a:cxn ang="0">
+                  <a:pos x="T24" y="T25"/>
+                </a:cxn>
+              </a:cxnLst>
+              <a:rect l="0" t="0" r="r" b="b"/>
+              <a:pathLst>
+                <a:path w="785" h="692">
+                  <a:moveTo>
+                    <a:pt x="225" y="692"/>
+                  </a:moveTo>
+                  <a:cubicBezTo>
+                    <a:pt x="207" y="692"/>
+                    <a:pt x="185" y="680"/>
+                    <a:pt x="177" y="665"/>
+                  </a:cubicBezTo>
+                  <a:cubicBezTo>
+                    <a:pt x="9" y="374"/>
+                    <a:pt x="9" y="374"/>
+                    <a:pt x="9" y="374"/>
+                  </a:cubicBezTo>
+                  <a:cubicBezTo>
+                    <a:pt x="0" y="358"/>
+                    <a:pt x="0" y="334"/>
+                    <a:pt x="9" y="318"/>
+                  </a:cubicBezTo>
+                  <a:cubicBezTo>
+                    <a:pt x="177" y="27"/>
+                    <a:pt x="177" y="27"/>
+                    <a:pt x="177" y="27"/>
+                  </a:cubicBezTo>
+                  <a:cubicBezTo>
+                    <a:pt x="185" y="12"/>
+                    <a:pt x="207" y="0"/>
+                    <a:pt x="225" y="0"/>
+                  </a:cubicBezTo>
+                  <a:cubicBezTo>
+                    <a:pt x="561" y="0"/>
+                    <a:pt x="561" y="0"/>
+                    <a:pt x="561" y="0"/>
+                  </a:cubicBezTo>
+                  <a:cubicBezTo>
+                    <a:pt x="578" y="0"/>
+                    <a:pt x="600" y="12"/>
+                    <a:pt x="609" y="27"/>
+                  </a:cubicBezTo>
+                  <a:cubicBezTo>
+                    <a:pt x="777" y="318"/>
+                    <a:pt x="777" y="318"/>
+                    <a:pt x="777" y="318"/>
+                  </a:cubicBezTo>
+                  <a:cubicBezTo>
+                    <a:pt x="785" y="334"/>
+                    <a:pt x="785" y="358"/>
+                    <a:pt x="777" y="374"/>
+                  </a:cubicBezTo>
+                  <a:cubicBezTo>
+                    <a:pt x="609" y="665"/>
+                    <a:pt x="609" y="665"/>
+                    <a:pt x="609" y="665"/>
+                  </a:cubicBezTo>
+                  <a:cubicBezTo>
+                    <a:pt x="600" y="680"/>
+                    <a:pt x="578" y="692"/>
+                    <a:pt x="561" y="692"/>
+                  </a:cubicBezTo>
+                  <a:lnTo>
+                    <a:pt x="225" y="692"/>
+                  </a:lnTo>
+                  <a:close/>
+                </a:path>
+              </a:pathLst>
+            </a:custGeom>
+            <a:noFill/>
+            <a:ln w="28575" cmpd="sng">
+              <a:solidFill>
+                <a:schemeClr val="tx1"/>
+              </a:solidFill>
+            </a:ln>
+          </p:spPr>
+          <p:txBody>
+            <a:bodyPr vert="horz" wrap="square" lIns="91440" tIns="45720" rIns="91440" bIns="45720" numCol="1" anchor="t" anchorCtr="0" compatLnSpc="1">
+              <a:prstTxWarp prst="textNoShape">
+                <a:avLst/>
+              </a:prstTxWarp>
+            </a:bodyPr>
+            <a:lstStyle/>
+            <a:p>
+              <a:endParaRPr lang="en-US"/>
+            </a:p>
+          </p:txBody>
+        </p:sp>
+      </p:grpSp>
+    </p:spTree>
+    <p:extLst>
+      <p:ext uri="{BB962C8B-B14F-4D97-AF65-F5344CB8AC3E}">
+        <p14:creationId xmlns:p14="http://schemas.microsoft.com/office/powerpoint/2010/main" val="1889099259"/>
+      </p:ext>
+    </p:extLst>
+  </p:cSld>
+  <p:clrMapOvr>
+    <a:masterClrMapping/>
+  </p:clrMapOvr>
+</p:sld>
+</file>
+
+<file path=ppt/slides/slide12.xml><?xml version="1.0" encoding="utf-8"?>
+<p:sld xmlns:a="http://schemas.openxmlformats.org/drawingml/2006/main" xmlns:r="http://schemas.openxmlformats.org/officeDocument/2006/relationships" xmlns:p="http://schemas.openxmlformats.org/presentationml/2006/main">
+  <p:cSld>
+    <p:spTree>
+      <p:nvGrpSpPr>
+        <p:cNvPr id="1" name=""/>
+        <p:cNvGrpSpPr/>
+        <p:nvPr/>
+      </p:nvGrpSpPr>
+      <p:grpSpPr>
+        <a:xfrm>
+          <a:off x="0" y="0"/>
+          <a:ext cx="0" cy="0"/>
+          <a:chOff x="0" y="0"/>
+          <a:chExt cx="0" cy="0"/>
+        </a:xfrm>
+      </p:grpSpPr>
+      <p:sp>
+        <p:nvSpPr>
+          <p:cNvPr id="3" name="Title 2"/>
+          <p:cNvSpPr>
+            <a:spLocks noGrp="1"/>
+          </p:cNvSpPr>
+          <p:nvPr>
+            <p:ph type="title"/>
+          </p:nvPr>
+        </p:nvSpPr>
+        <p:spPr>
+          <a:xfrm>
+            <a:off x="610433" y="375054"/>
+            <a:ext cx="8205261" cy="785553"/>
+          </a:xfrm>
+        </p:spPr>
+        <p:txBody>
+          <a:bodyPr>
+            <a:normAutofit/>
+          </a:bodyPr>
+          <a:lstStyle/>
+          <a:p>
+            <a:r>
+              <a:rPr lang="en-US" sz="2400"/>
+              <a:t>Appendix</a:t>
+            </a:r>
+            <a:endParaRPr lang="en-US" sz="2400" dirty="0"/>
+          </a:p>
+        </p:txBody>
+      </p:sp>
+      <p:sp>
+        <p:nvSpPr>
+          <p:cNvPr id="9" name="TextBox 8">
+            <a:extLst>
+              <a:ext uri="{FF2B5EF4-FFF2-40B4-BE49-F238E27FC236}">
+                <a16:creationId xmlns:a16="http://schemas.microsoft.com/office/drawing/2014/main" id="{72F1BA2C-3BFD-4421-99C1-0859E6F3E7A4}"/>
+              </a:ext>
+            </a:extLst>
+          </p:cNvPr>
+          <p:cNvSpPr txBox="1"/>
+          <p:nvPr/>
+        </p:nvSpPr>
+        <p:spPr>
+          <a:xfrm>
+            <a:off x="610433" y="1237360"/>
+            <a:ext cx="2559508" cy="369332"/>
+          </a:xfrm>
+          <a:prstGeom prst="rect">
+            <a:avLst/>
+          </a:prstGeom>
+          <a:noFill/>
+        </p:spPr>
+        <p:txBody>
+          <a:bodyPr wrap="square" rtlCol="0">
+            <a:spAutoFit/>
+          </a:bodyPr>
+          <a:lstStyle/>
+          <a:p>
+            <a:r>
+              <a:rPr lang="en-US" b="1">
+                <a:latin typeface="Times New Roman" panose="02020603050405020304" pitchFamily="18" charset="0"/>
+                <a:cs typeface="Times New Roman" panose="02020603050405020304" pitchFamily="18" charset="0"/>
+              </a:rPr>
+              <a:t>Model Performance: All</a:t>
+            </a:r>
+            <a:endParaRPr lang="en-US" b="1" dirty="0">
+              <a:latin typeface="Times New Roman" panose="02020603050405020304" pitchFamily="18" charset="0"/>
+              <a:cs typeface="Times New Roman" panose="02020603050405020304" pitchFamily="18" charset="0"/>
+            </a:endParaRPr>
+          </a:p>
+        </p:txBody>
+      </p:sp>
+      <p:pic>
+        <p:nvPicPr>
+          <p:cNvPr id="4" name="Picture 3">
+            <a:extLst>
+              <a:ext uri="{FF2B5EF4-FFF2-40B4-BE49-F238E27FC236}">
+                <a16:creationId xmlns:a16="http://schemas.microsoft.com/office/drawing/2014/main" id="{77E851C8-C000-41EB-94A7-8FD10E7983C9}"/>
+              </a:ext>
+            </a:extLst>
+          </p:cNvPr>
+          <p:cNvPicPr>
+            <a:picLocks noChangeAspect="1"/>
+          </p:cNvPicPr>
+          <p:nvPr/>
+        </p:nvPicPr>
+        <p:blipFill>
+          <a:blip r:embed="rId3"/>
+          <a:stretch>
+            <a:fillRect/>
+          </a:stretch>
+        </p:blipFill>
+        <p:spPr>
+          <a:xfrm>
+            <a:off x="3301530" y="1274991"/>
+            <a:ext cx="2794470" cy="2660298"/>
+          </a:xfrm>
+          <a:prstGeom prst="rect">
+            <a:avLst/>
+          </a:prstGeom>
+        </p:spPr>
+      </p:pic>
+      <p:pic>
+        <p:nvPicPr>
+          <p:cNvPr id="5" name="Picture 4">
+            <a:extLst>
+              <a:ext uri="{FF2B5EF4-FFF2-40B4-BE49-F238E27FC236}">
+                <a16:creationId xmlns:a16="http://schemas.microsoft.com/office/drawing/2014/main" id="{6BB9089D-D9BC-4AE4-9A39-26ACDB6E7ABC}"/>
+              </a:ext>
+            </a:extLst>
+          </p:cNvPr>
+          <p:cNvPicPr>
+            <a:picLocks noChangeAspect="1"/>
+          </p:cNvPicPr>
+          <p:nvPr/>
+        </p:nvPicPr>
+        <p:blipFill>
+          <a:blip r:embed="rId4"/>
+          <a:stretch>
+            <a:fillRect/>
+          </a:stretch>
+        </p:blipFill>
+        <p:spPr>
+          <a:xfrm>
+            <a:off x="6359180" y="1272109"/>
+            <a:ext cx="2760515" cy="2660298"/>
+          </a:xfrm>
+          <a:prstGeom prst="rect">
+            <a:avLst/>
+          </a:prstGeom>
+        </p:spPr>
+      </p:pic>
+      <p:pic>
+        <p:nvPicPr>
+          <p:cNvPr id="6" name="Picture 5">
+            <a:extLst>
+              <a:ext uri="{FF2B5EF4-FFF2-40B4-BE49-F238E27FC236}">
+                <a16:creationId xmlns:a16="http://schemas.microsoft.com/office/drawing/2014/main" id="{21516087-DBF4-48DD-99A8-3AD63955F168}"/>
+              </a:ext>
+            </a:extLst>
+          </p:cNvPr>
+          <p:cNvPicPr>
+            <a:picLocks noChangeAspect="1"/>
+          </p:cNvPicPr>
+          <p:nvPr/>
+        </p:nvPicPr>
+        <p:blipFill>
+          <a:blip r:embed="rId5"/>
+          <a:stretch>
+            <a:fillRect/>
+          </a:stretch>
+        </p:blipFill>
+        <p:spPr>
+          <a:xfrm>
+            <a:off x="9179638" y="1251628"/>
+            <a:ext cx="2794469" cy="2624822"/>
+          </a:xfrm>
+          <a:prstGeom prst="rect">
+            <a:avLst/>
+          </a:prstGeom>
+        </p:spPr>
+      </p:pic>
+      <p:pic>
+        <p:nvPicPr>
+          <p:cNvPr id="7" name="Picture 6">
+            <a:extLst>
+              <a:ext uri="{FF2B5EF4-FFF2-40B4-BE49-F238E27FC236}">
+                <a16:creationId xmlns:a16="http://schemas.microsoft.com/office/drawing/2014/main" id="{F1161677-07B6-40D1-BBB0-C9E8B5E58CAF}"/>
+              </a:ext>
+            </a:extLst>
+          </p:cNvPr>
+          <p:cNvPicPr>
+            <a:picLocks noChangeAspect="1"/>
+          </p:cNvPicPr>
+          <p:nvPr/>
+        </p:nvPicPr>
+        <p:blipFill>
+          <a:blip r:embed="rId6"/>
+          <a:stretch>
+            <a:fillRect/>
+          </a:stretch>
+        </p:blipFill>
+        <p:spPr>
+          <a:xfrm>
+            <a:off x="469554" y="2571724"/>
+            <a:ext cx="2700386" cy="1309687"/>
+          </a:xfrm>
+          <a:prstGeom prst="rect">
+            <a:avLst/>
+          </a:prstGeom>
+        </p:spPr>
+      </p:pic>
+      <p:pic>
+        <p:nvPicPr>
+          <p:cNvPr id="8" name="Picture 7">
+            <a:extLst>
+              <a:ext uri="{FF2B5EF4-FFF2-40B4-BE49-F238E27FC236}">
+                <a16:creationId xmlns:a16="http://schemas.microsoft.com/office/drawing/2014/main" id="{A1CB48F3-0358-4F92-90BC-EDD6AD70150C}"/>
+              </a:ext>
+            </a:extLst>
+          </p:cNvPr>
+          <p:cNvPicPr>
+            <a:picLocks noChangeAspect="1"/>
+          </p:cNvPicPr>
+          <p:nvPr/>
+        </p:nvPicPr>
+        <p:blipFill>
+          <a:blip r:embed="rId7"/>
+          <a:stretch>
+            <a:fillRect/>
+          </a:stretch>
+        </p:blipFill>
+        <p:spPr>
+          <a:xfrm>
+            <a:off x="3831622" y="4231487"/>
+            <a:ext cx="3788378" cy="2571673"/>
+          </a:xfrm>
+          <a:prstGeom prst="rect">
+            <a:avLst/>
+          </a:prstGeom>
+        </p:spPr>
+      </p:pic>
+      <p:sp>
+        <p:nvSpPr>
+          <p:cNvPr id="17" name="TextBox 16">
+            <a:extLst>
+              <a:ext uri="{FF2B5EF4-FFF2-40B4-BE49-F238E27FC236}">
+                <a16:creationId xmlns:a16="http://schemas.microsoft.com/office/drawing/2014/main" id="{9F84425F-FB3D-4ADF-B8A8-4F1AED8C9281}"/>
+              </a:ext>
+            </a:extLst>
+          </p:cNvPr>
+          <p:cNvSpPr txBox="1"/>
+          <p:nvPr/>
+        </p:nvSpPr>
+        <p:spPr>
+          <a:xfrm>
+            <a:off x="469554" y="4031360"/>
+            <a:ext cx="3492846" cy="923330"/>
+          </a:xfrm>
+          <a:prstGeom prst="rect">
+            <a:avLst/>
+          </a:prstGeom>
+          <a:noFill/>
+        </p:spPr>
+        <p:txBody>
+          <a:bodyPr wrap="square" rtlCol="0">
+            <a:spAutoFit/>
+          </a:bodyPr>
+          <a:lstStyle/>
+          <a:p>
+            <a:r>
+              <a:rPr lang="en-US" b="1" dirty="0">
+                <a:latin typeface="Times New Roman" panose="02020603050405020304" pitchFamily="18" charset="0"/>
+                <a:cs typeface="Times New Roman" panose="02020603050405020304" pitchFamily="18" charset="0"/>
+              </a:rPr>
+              <a:t>Model Performance: Threshold</a:t>
+            </a:r>
+          </a:p>
+          <a:p>
+            <a:pPr lvl="1"/>
+            <a:r>
+              <a:rPr lang="en-US" b="1" dirty="0">
+                <a:latin typeface="Times New Roman" panose="02020603050405020304" pitchFamily="18" charset="0"/>
+                <a:cs typeface="Times New Roman" panose="02020603050405020304" pitchFamily="18" charset="0"/>
+              </a:rPr>
+              <a:t>Original: 0.5</a:t>
+            </a:r>
+          </a:p>
+          <a:p>
+            <a:pPr lvl="1"/>
+            <a:r>
+              <a:rPr lang="en-US" b="1" dirty="0">
+                <a:latin typeface="Times New Roman" panose="02020603050405020304" pitchFamily="18" charset="0"/>
+                <a:cs typeface="Times New Roman" panose="02020603050405020304" pitchFamily="18" charset="0"/>
+              </a:rPr>
+              <a:t>New: 0.49</a:t>
+            </a:r>
+          </a:p>
+        </p:txBody>
+      </p:sp>
+    </p:spTree>
+    <p:extLst>
+      <p:ext uri="{BB962C8B-B14F-4D97-AF65-F5344CB8AC3E}">
+        <p14:creationId xmlns:p14="http://schemas.microsoft.com/office/powerpoint/2010/main" val="1331121906"/>
       </p:ext>
     </p:extLst>
   </p:cSld>
@@ -11437,7 +13138,7 @@
                 <a:latin typeface="Times New Roman" panose="02020603050405020304" pitchFamily="18" charset="0"/>
                 <a:cs typeface="Times New Roman" panose="02020603050405020304" pitchFamily="18" charset="0"/>
               </a:rPr>
-              <a:t>Churn is a big problem for companies because it is more expensive to acquire a new customer than to keep the existing one from leaving. </a:t>
+              <a:t>Churn is a one of the biggest problems for companies. It is more expensive to acquire a new customer than to keep the existing one from leaving. </a:t>
             </a:r>
           </a:p>
         </p:txBody>
@@ -11476,7 +13177,7 @@
                 <a:latin typeface="Times New Roman" panose="02020603050405020304" pitchFamily="18" charset="0"/>
                 <a:cs typeface="Times New Roman" panose="02020603050405020304" pitchFamily="18" charset="0"/>
               </a:rPr>
-              <a:t>The Churn rate for the past 6 months is </a:t>
+              <a:t>The Churn rate for the last 6 months is </a:t>
             </a:r>
             <a:r>
               <a:rPr lang="en-US" b="1" dirty="0">
@@ -12901,7 +14602,7 @@
                 <a:latin typeface="Times New Roman" panose="02020603050405020304" pitchFamily="18" charset="0"/>
                 <a:cs typeface="Times New Roman" panose="02020603050405020304" pitchFamily="18" charset="0"/>
               </a:rPr>
-              <a:t>: Missing Data – Remove records with missing data (Rule ~ 5% of records with missing data)</a:t>
+              <a:t>: Missing Data – Remove records with missing data (Missing data &lt;= 5% of total data)</a:t>
             </a:r>
           </a:p>
         </p:txBody>
@@ -13013,7 +14714,7 @@
         <p:spPr>
           <a:xfrm>
             <a:off x="8212317" y="3732816"/>
-            <a:ext cx="3763602" cy="1200329"/>
+            <a:ext cx="3763602" cy="1754326"/>
           </a:xfrm>
           <a:prstGeom prst="rect">
             <a:avLst/>
@@ -13038,7 +14739,7 @@
                 <a:latin typeface="Times New Roman" panose="02020603050405020304" pitchFamily="18" charset="0"/>
                 <a:cs typeface="Times New Roman" panose="02020603050405020304" pitchFamily="18" charset="0"/>
               </a:rPr>
-              <a:t>: Remove features</a:t>
+              <a:t>: Remove features (Dimensionality reduction) – Minimal correlation</a:t>
             </a:r>
           </a:p>
           <a:p>
@@ -13066,7 +14767,7 @@
         </p:nvSpPr>
         <p:spPr>
           <a:xfrm>
-            <a:off x="8212317" y="5412312"/>
+            <a:off x="8212317" y="5793864"/>
             <a:ext cx="3763602" cy="923330"/>
           </a:xfrm>
           <a:prstGeom prst="rect">
@@ -13101,7 +14802,7 @@
                 <a:latin typeface="Times New Roman" panose="02020603050405020304" pitchFamily="18" charset="0"/>
                 <a:cs typeface="Times New Roman" panose="02020603050405020304" pitchFamily="18" charset="0"/>
               </a:rPr>
-              <a:t>Increased features ~ 3 times</a:t>
+              <a:t>Increased # of features ~ 3 times</a:t>
             </a:r>
           </a:p>
         </p:txBody>
@@ -13176,7 +14877,7 @@
                 <a:latin typeface="Times New Roman" panose="02020603050405020304" pitchFamily="18" charset="0"/>
                 <a:cs typeface="Times New Roman" panose="02020603050405020304" pitchFamily="18" charset="0"/>
               </a:rPr>
-              <a:t>Evaluation Metric: Recall (True Positive Rate) – High Class 1 Recall value</a:t>
+              <a:t>Evaluation Metric: Recall (True Positive Rate) – Focus Class 1 Recall value</a:t>
             </a:r>
           </a:p>
           <a:p>
@@ -13522,7 +15223,7 @@
                 <a:latin typeface="Times New Roman" panose="02020603050405020304" pitchFamily="18" charset="0"/>
                 <a:cs typeface="Times New Roman" panose="02020603050405020304" pitchFamily="18" charset="0"/>
               </a:rPr>
-              <a:t>70% data used for training the ML model, 30% used model for validation</a:t>
+              <a:t>70% data used for training the ML model, 30% used  for model validation</a:t>
             </a:r>
           </a:p>
         </p:txBody>
@@ -13799,8 +15500,19 @@
                 <a:latin typeface="Times New Roman" panose="02020603050405020304" pitchFamily="18" charset="0"/>
                 <a:cs typeface="Times New Roman" panose="02020603050405020304" pitchFamily="18" charset="0"/>
               </a:rPr>
-              <a:t>Using GridSearchCV</a:t>
-            </a:r>
+              <a:t>Using </a:t>
+            </a:r>
+            <a:r>
+              <a:rPr lang="en-US" dirty="0" err="1">
+                <a:latin typeface="Times New Roman" panose="02020603050405020304" pitchFamily="18" charset="0"/>
+                <a:cs typeface="Times New Roman" panose="02020603050405020304" pitchFamily="18" charset="0"/>
+              </a:rPr>
+              <a:t>GridSearchCV</a:t>
+            </a:r>
+            <a:endParaRPr lang="en-US" dirty="0">
+              <a:latin typeface="Times New Roman" panose="02020603050405020304" pitchFamily="18" charset="0"/>
+              <a:cs typeface="Times New Roman" panose="02020603050405020304" pitchFamily="18" charset="0"/>
+            </a:endParaRPr>
           </a:p>
           <a:p>
             <a:pPr marL="285750" indent="-285750">
@@ -14153,7 +15865,7 @@
                 <a:latin typeface="Times New Roman" panose="02020603050405020304" pitchFamily="18" charset="0"/>
                 <a:cs typeface="Times New Roman" panose="02020603050405020304" pitchFamily="18" charset="0"/>
               </a:rPr>
-              <a:t>Focus is to reduce Type 2 error as missing predicting customers that Churn is costly.</a:t>
+              <a:t>Focus is to reduce Type 2 error as missing prediction of customers that Churn is costly.</a:t>
             </a:r>
           </a:p>
         </p:txBody>
@@ -14652,7 +16364,7 @@
                 <a:latin typeface="Times New Roman" panose="02020603050405020304" pitchFamily="18" charset="0"/>
                 <a:cs typeface="Times New Roman" panose="02020603050405020304" pitchFamily="18" charset="0"/>
               </a:rPr>
-              <a:t>with maximum Customers having low probability of Churn.</a:t>
+              <a:t>with maximum Customers having lower probability of Churn.</a:t>
             </a:r>
           </a:p>
           <a:p>
@@ -14729,7 +16441,28 @@
                 <a:latin typeface="Times New Roman" panose="02020603050405020304" pitchFamily="18" charset="0"/>
                 <a:cs typeface="Times New Roman" panose="02020603050405020304" pitchFamily="18" charset="0"/>
               </a:rPr>
-              <a:t>However to minimize Type 2 errors: False Negative, ROC curve threshold of 0.49 could be used which would result in higher LowFocus customers but reduce False Negatives (costly errors)</a:t>
+              <a:t>However to minimize Type 2 errors (False Negative), threshold of 0.4-0.49 (ROC) could be used which would result in higher </a:t>
+            </a:r>
+            <a:r>
+              <a:rPr lang="en-US" dirty="0" err="1">
+                <a:latin typeface="Times New Roman" panose="02020603050405020304" pitchFamily="18" charset="0"/>
+                <a:cs typeface="Times New Roman" panose="02020603050405020304" pitchFamily="18" charset="0"/>
+              </a:rPr>
+              <a:t>LowFocus</a:t>
+            </a:r>
+            <a:r>
+              <a:rPr lang="en-US" dirty="0">
+                <a:latin typeface="Times New Roman" panose="02020603050405020304" pitchFamily="18" charset="0"/>
+                <a:cs typeface="Times New Roman" panose="02020603050405020304" pitchFamily="18" charset="0"/>
+              </a:rPr>
+              <a:t> customers predicted but reduce False Negatives (costly errors) – </a:t>
+            </a:r>
+            <a:r>
+              <a:rPr lang="en-US" b="1" dirty="0">
+                <a:latin typeface="Times New Roman" panose="02020603050405020304" pitchFamily="18" charset="0"/>
+                <a:cs typeface="Times New Roman" panose="02020603050405020304" pitchFamily="18" charset="0"/>
+              </a:rPr>
+              <a:t>Business consideration</a:t>
             </a:r>
           </a:p>
           <a:p>
@@ -16141,6 +17874,15 @@
 </file>
 
 <file path=customXml/item2.xml><?xml version="1.0" encoding="utf-8"?>
+<?mso-contentType ?>
+<FormTemplates xmlns="http://schemas.microsoft.com/sharepoint/v3/contenttype/forms">
+  <Display>DocumentLibraryForm</Display>
+  <Edit>DocumentLibraryForm</Edit>
+  <New>DocumentLibraryForm</New>
+</FormTemplates>
+</file>
+
+<file path=customXml/item3.xml><?xml version="1.0" encoding="utf-8"?>
 <p:properties xmlns:p="http://schemas.microsoft.com/office/2006/metadata/properties" xmlns:xsi="http://www.w3.org/2001/XMLSchema-instance" xmlns:pc="http://schemas.microsoft.com/office/infopath/2007/PartnerControls">
   <documentManagement>
     <TaxCatchAll xmlns="5aa39b27-3492-4fbd-9ce5-132e2443fdc5">
@@ -16169,15 +17911,6 @@
 </p:properties>
 </file>
 
-<file path=customXml/item3.xml><?xml version="1.0" encoding="utf-8"?>
-<?mso-contentType ?>
-<FormTemplates xmlns="http://schemas.microsoft.com/sharepoint/v3/contenttype/forms">
-  <Display>DocumentLibraryForm</Display>
-  <Edit>DocumentLibraryForm</Edit>
-  <New>DocumentLibraryForm</New>
-</FormTemplates>
-</file>
-
 <file path=customXml/itemProps1.xml><?xml version="1.0" encoding="utf-8"?>
 <ds:datastoreItem xmlns:ds="http://schemas.openxmlformats.org/officeDocument/2006/customXml" ds:itemID="{C5D4C91F-644C-498D-9A6A-55A6D240C888}">
   <ds:schemaRefs>
@@ -16199,6 +17932,14 @@
 </file>
 
 <file path=customXml/itemProps2.xml><?xml version="1.0" encoding="utf-8"?>
+<ds:datastoreItem xmlns:ds="http://schemas.openxmlformats.org/officeDocument/2006/customXml" ds:itemID="{7F3C27BC-13E9-4A78-83E0-84204EDD23AE}">
+  <ds:schemaRefs>
+    <ds:schemaRef ds:uri="http://schemas.microsoft.com/sharepoint/v3/contenttype/forms"/>
+  </ds:schemaRefs>
+</ds:datastoreItem>
+</file>
+
+<file path=customXml/itemProps3.xml><?xml version="1.0" encoding="utf-8"?>
 <ds:datastoreItem xmlns:ds="http://schemas.openxmlformats.org/officeDocument/2006/customXml" ds:itemID="{7EDB0B6D-870F-493E-BC33-266BAF50064D}">
   <ds:schemaRefs>
     <ds:schemaRef ds:uri="http://purl.org/dc/terms/"/>
@@ -16214,12 +17955,4 @@
     <ds:schemaRef ds:uri="http://purl.org/dc/dcmitype/"/>
   </ds:schemaRefs>
 </ds:datastoreItem>
-</file>
-
-<file path=customXml/itemProps3.xml><?xml version="1.0" encoding="utf-8"?>
-<ds:datastoreItem xmlns:ds="http://schemas.openxmlformats.org/officeDocument/2006/customXml" ds:itemID="{7F3C27BC-13E9-4A78-83E0-84204EDD23AE}">
-  <ds:schemaRefs>
-    <ds:schemaRef ds:uri="http://schemas.microsoft.com/sharepoint/v3/contenttype/forms"/>
-  </ds:schemaRefs>
-</ds:datastoreItem>
 </file>
--- a/Churn Model.pptx
+++ b/Churn Model.pptx
@@ -11010,7 +11010,7 @@
         <p:spPr>
           <a:xfrm>
             <a:off x="610432" y="1237360"/>
-            <a:ext cx="9966441" cy="2031325"/>
+            <a:ext cx="9966441" cy="2862322"/>
           </a:xfrm>
           <a:prstGeom prst="rect">
             <a:avLst/>
@@ -11056,7 +11056,7 @@
                 <a:latin typeface="Times New Roman" panose="02020603050405020304" pitchFamily="18" charset="0"/>
                 <a:cs typeface="Times New Roman" panose="02020603050405020304" pitchFamily="18" charset="0"/>
               </a:rPr>
-              <a:t>Analyzing customer feedback (social media comments, customer care feedback) as Customer satisfaction is an important variable impacting Churn.</a:t>
+              <a:t>Analyzing customer feedback data (social media comments, customer care feedback) as Customer satisfaction is an important variable impacting Churn.</a:t>
             </a:r>
           </a:p>
           <a:p>
@@ -11069,8 +11069,31 @@
                 <a:latin typeface="Times New Roman" panose="02020603050405020304" pitchFamily="18" charset="0"/>
                 <a:cs typeface="Times New Roman" panose="02020603050405020304" pitchFamily="18" charset="0"/>
               </a:rPr>
-              <a:t>Analyzing Customer  location data as location safety index / crime index, as well as competitor service availability would have an impact on Customer Churn.</a:t>
-            </a:r>
+              <a:t>Analyzing Customer tenure data as end of tenure is an important inflection point for Churn.</a:t>
+            </a:r>
+          </a:p>
+          <a:p>
+            <a:pPr marL="342900" indent="-342900">
+              <a:buFont typeface="+mj-lt"/>
+              <a:buAutoNum type="arabicPeriod"/>
+            </a:pPr>
+            <a:r>
+              <a:rPr lang="en-US" dirty="0">
+                <a:latin typeface="Times New Roman" panose="02020603050405020304" pitchFamily="18" charset="0"/>
+                <a:cs typeface="Times New Roman" panose="02020603050405020304" pitchFamily="18" charset="0"/>
+              </a:rPr>
+              <a:t>Analyzing Customer  location data as location safety index / crime index, as well as competitor service availability would have an impact on Customer Churn (Assumption: Data for Security System Services).</a:t>
+            </a:r>
+          </a:p>
+          <a:p>
+            <a:pPr marL="342900" indent="-342900">
+              <a:buFont typeface="+mj-lt"/>
+              <a:buAutoNum type="arabicPeriod"/>
+            </a:pPr>
+            <a:endParaRPr lang="en-US" dirty="0">
+              <a:latin typeface="Times New Roman" panose="02020603050405020304" pitchFamily="18" charset="0"/>
+              <a:cs typeface="Times New Roman" panose="02020603050405020304" pitchFamily="18" charset="0"/>
+            </a:endParaRPr>
           </a:p>
         </p:txBody>
       </p:sp>
@@ -11088,8 +11111,8 @@
         </p:nvSpPr>
         <p:spPr>
           <a:xfrm>
-            <a:off x="610433" y="3437582"/>
-            <a:ext cx="9966441" cy="2308324"/>
+            <a:off x="610433" y="4152567"/>
+            <a:ext cx="9966441" cy="2585323"/>
           </a:xfrm>
           <a:prstGeom prst="rect">
             <a:avLst/>
@@ -11126,7 +11149,7 @@
                 <a:latin typeface="Times New Roman" panose="02020603050405020304" pitchFamily="18" charset="0"/>
                 <a:cs typeface="Times New Roman" panose="02020603050405020304" pitchFamily="18" charset="0"/>
               </a:rPr>
-              <a:t>Engage focus customers to determine  and improve (if required) current customer satisfaction.</a:t>
+              <a:t>Engage focus customers to determine and improve (if required) current customer satisfaction.</a:t>
             </a:r>
           </a:p>
           <a:p>
@@ -11152,7 +11175,20 @@
                 <a:latin typeface="Times New Roman" panose="02020603050405020304" pitchFamily="18" charset="0"/>
                 <a:cs typeface="Times New Roman" panose="02020603050405020304" pitchFamily="18" charset="0"/>
               </a:rPr>
-              <a:t>Develop bundled service packages targeting young independent adults – e.g. bundled internet, gaming services etc.</a:t>
+              <a:t>Improve Customer service process with automation e.g. Chatbots</a:t>
+            </a:r>
+          </a:p>
+          <a:p>
+            <a:pPr marL="342900" indent="-342900">
+              <a:buFont typeface="+mj-lt"/>
+              <a:buAutoNum type="arabicPeriod"/>
+            </a:pPr>
+            <a:r>
+              <a:rPr lang="en-US" dirty="0">
+                <a:latin typeface="Times New Roman" panose="02020603050405020304" pitchFamily="18" charset="0"/>
+                <a:cs typeface="Times New Roman" panose="02020603050405020304" pitchFamily="18" charset="0"/>
+              </a:rPr>
+              <a:t>Develop bundled service packages targeting young independent adults – e.g. bundled internet services, gaming services etc.</a:t>
             </a:r>
           </a:p>
           <a:p>
@@ -11274,7 +11310,7 @@
           <a:lstStyle/>
           <a:p>
             <a:pPr algn="ctr"/>
-            <a:endParaRPr lang="en-US"/>
+            <a:endParaRPr lang="en-US" dirty="0"/>
           </a:p>
         </p:txBody>
       </p:sp>
@@ -11884,7 +11920,7 @@
           <a:lstStyle/>
           <a:p>
             <a:pPr algn="ctr"/>
-            <a:endParaRPr lang="en-US"/>
+            <a:endParaRPr lang="en-US" dirty="0"/>
           </a:p>
         </p:txBody>
       </p:sp>
@@ -12162,7 +12198,7 @@
             </a:bodyPr>
             <a:lstStyle/>
             <a:p>
-              <a:endParaRPr lang="en-US"/>
+              <a:endParaRPr lang="en-US" dirty="0"/>
             </a:p>
           </p:txBody>
         </p:sp>
@@ -12349,7 +12385,7 @@
             </a:bodyPr>
             <a:lstStyle/>
             <a:p>
-              <a:endParaRPr lang="en-US"/>
+              <a:endParaRPr lang="en-US" dirty="0"/>
             </a:p>
           </p:txBody>
         </p:sp>
@@ -12407,10 +12443,9 @@
           <a:lstStyle/>
           <a:p>
             <a:r>
-              <a:rPr lang="en-US" sz="2400"/>
+              <a:rPr lang="en-US" sz="2400" dirty="0"/>
               <a:t>Appendix</a:t>
             </a:r>
-            <a:endParaRPr lang="en-US" sz="2400" dirty="0"/>
           </a:p>
         </p:txBody>
       </p:sp>
@@ -12443,16 +12478,12 @@
           <a:lstStyle/>
           <a:p>
             <a:r>
-              <a:rPr lang="en-US" b="1">
+              <a:rPr lang="en-US" b="1" dirty="0">
                 <a:latin typeface="Times New Roman" panose="02020603050405020304" pitchFamily="18" charset="0"/>
                 <a:cs typeface="Times New Roman" panose="02020603050405020304" pitchFamily="18" charset="0"/>
               </a:rPr>
               <a:t>Model Performance: All</a:t>
             </a:r>
-            <a:endParaRPr lang="en-US" b="1" dirty="0">
-              <a:latin typeface="Times New Roman" panose="02020603050405020304" pitchFamily="18" charset="0"/>
-              <a:cs typeface="Times New Roman" panose="02020603050405020304" pitchFamily="18" charset="0"/>
-            </a:endParaRPr>
           </a:p>
         </p:txBody>
       </p:sp>
@@ -12664,6 +12695,75 @@
           </a:p>
         </p:txBody>
       </p:sp>
+      <p:sp>
+        <p:nvSpPr>
+          <p:cNvPr id="10" name="Title 2">
+            <a:extLst>
+              <a:ext uri="{FF2B5EF4-FFF2-40B4-BE49-F238E27FC236}">
+                <a16:creationId xmlns:a16="http://schemas.microsoft.com/office/drawing/2014/main" id="{7B01A27C-78D1-4BCB-BCB8-09E37D98290B}"/>
+              </a:ext>
+            </a:extLst>
+          </p:cNvPr>
+          <p:cNvSpPr txBox="1">
+            <a:spLocks/>
+          </p:cNvSpPr>
+          <p:nvPr/>
+        </p:nvSpPr>
+        <p:spPr>
+          <a:xfrm>
+            <a:off x="8417397" y="5036008"/>
+            <a:ext cx="3102157" cy="785553"/>
+          </a:xfrm>
+          <a:prstGeom prst="rect">
+            <a:avLst/>
+          </a:prstGeom>
+        </p:spPr>
+        <p:txBody>
+          <a:bodyPr vert="horz" lIns="91440" tIns="45720" rIns="91440" bIns="45720" rtlCol="0" anchor="ctr">
+            <a:normAutofit fontScale="85000" lnSpcReduction="10000"/>
+          </a:bodyPr>
+          <a:lstStyle>
+            <a:lvl1pPr algn="l" defTabSz="914400" rtl="0" eaLnBrk="1" latinLnBrk="0" hangingPunct="1">
+              <a:lnSpc>
+                <a:spcPct val="90000"/>
+              </a:lnSpc>
+              <a:spcBef>
+                <a:spcPct val="0"/>
+              </a:spcBef>
+              <a:buNone/>
+              <a:defRPr sz="4400" kern="1200">
+                <a:solidFill>
+                  <a:schemeClr val="tx1"/>
+                </a:solidFill>
+                <a:latin typeface="+mj-lt"/>
+                <a:ea typeface="+mj-ea"/>
+                <a:cs typeface="+mj-cs"/>
+              </a:defRPr>
+            </a:lvl1pPr>
+          </a:lstStyle>
+          <a:p>
+            <a:br>
+              <a:rPr lang="en-US" sz="2400" dirty="0"/>
+            </a:br>
+            <a:r>
+              <a:rPr lang="en-US" sz="3100" dirty="0">
+                <a:latin typeface="Times New Roman" panose="02020603050405020304" pitchFamily="18" charset="0"/>
+                <a:cs typeface="Times New Roman" panose="02020603050405020304" pitchFamily="18" charset="0"/>
+              </a:rPr>
+              <a:t>Script: </a:t>
+            </a:r>
+            <a:r>
+              <a:rPr lang="en-US" sz="3100" dirty="0">
+                <a:latin typeface="Times New Roman" panose="02020603050405020304" pitchFamily="18" charset="0"/>
+                <a:cs typeface="Times New Roman" panose="02020603050405020304" pitchFamily="18" charset="0"/>
+                <a:hlinkClick r:id="rId8"/>
+              </a:rPr>
+              <a:t>GitHub Repo</a:t>
+            </a:r>
+            <a:endParaRPr lang="en-US" sz="2400" dirty="0"/>
+          </a:p>
+        </p:txBody>
+      </p:sp>
     </p:spTree>
     <p:extLst>
       <p:ext uri="{BB962C8B-B14F-4D97-AF65-F5344CB8AC3E}">
@@ -14418,6 +14518,25 @@
               <a:rPr lang="en-US" sz="2400" dirty="0"/>
               <a:t>Churn Model</a:t>
             </a:r>
+            <a:br>
+              <a:rPr lang="en-US" sz="2400" dirty="0"/>
+            </a:br>
+            <a:r>
+              <a:rPr lang="en-US" sz="1400" dirty="0">
+                <a:latin typeface="Times New Roman" panose="02020603050405020304" pitchFamily="18" charset="0"/>
+                <a:cs typeface="Times New Roman" panose="02020603050405020304" pitchFamily="18" charset="0"/>
+              </a:rPr>
+              <a:t>Script: </a:t>
+            </a:r>
+            <a:r>
+              <a:rPr lang="en-US" sz="1400" dirty="0">
+                <a:latin typeface="Times New Roman" panose="02020603050405020304" pitchFamily="18" charset="0"/>
+                <a:cs typeface="Times New Roman" panose="02020603050405020304" pitchFamily="18" charset="0"/>
+                <a:hlinkClick r:id="rId3"/>
+              </a:rPr>
+              <a:t>GitHub Repo</a:t>
+            </a:r>
+            <a:endParaRPr lang="en-US" sz="2400" dirty="0"/>
           </a:p>
         </p:txBody>
       </p:sp>
@@ -14482,8 +14601,8 @@
         </p:nvSpPr>
         <p:spPr>
           <a:xfrm>
-            <a:off x="10696020" y="107300"/>
-            <a:ext cx="1524917" cy="785553"/>
+            <a:off x="10190374" y="107300"/>
+            <a:ext cx="2030563" cy="785553"/>
           </a:xfrm>
           <a:prstGeom prst="rect">
             <a:avLst/>
@@ -14521,13 +14640,13 @@
           <a:p>
             <a:r>
               <a:rPr lang="en-US" sz="1600" dirty="0"/>
-              <a:t>0| Not Churn</a:t>
+              <a:t>Class 0| Not Churn</a:t>
             </a:r>
           </a:p>
           <a:p>
             <a:r>
               <a:rPr lang="en-US" sz="1600" dirty="0"/>
-              <a:t>1| Churn</a:t>
+              <a:t>Class 1| Churn</a:t>
             </a:r>
           </a:p>
         </p:txBody>
@@ -14547,7 +14666,7 @@
           <p:nvPr/>
         </p:nvPicPr>
         <p:blipFill>
-          <a:blip r:embed="rId3"/>
+          <a:blip r:embed="rId4"/>
           <a:stretch>
             <a:fillRect/>
           </a:stretch>
@@ -14602,7 +14721,7 @@
                 <a:latin typeface="Times New Roman" panose="02020603050405020304" pitchFamily="18" charset="0"/>
                 <a:cs typeface="Times New Roman" panose="02020603050405020304" pitchFamily="18" charset="0"/>
               </a:rPr>
-              <a:t>: Missing Data – Remove records with missing data (Missing data &lt;= 5% of total data)</a:t>
+              <a:t>: Missing Data – Remove records with missing data (Rule -Missing data &lt;= 5% of total data)</a:t>
             </a:r>
           </a:p>
         </p:txBody>
@@ -14667,7 +14786,7 @@
           <p:nvPr/>
         </p:nvPicPr>
         <p:blipFill>
-          <a:blip r:embed="rId4">
+          <a:blip r:embed="rId5">
             <a:extLst>
               <a:ext uri="{28A0092B-C50C-407E-A947-70E740481C1C}">
                 <a14:useLocalDpi xmlns:a14="http://schemas.microsoft.com/office/drawing/2010/main" val="0"/>
@@ -14713,8 +14832,8 @@
         </p:nvSpPr>
         <p:spPr>
           <a:xfrm>
-            <a:off x="8212317" y="3732816"/>
-            <a:ext cx="3763602" cy="1754326"/>
+            <a:off x="7946796" y="3732816"/>
+            <a:ext cx="4029123" cy="3477875"/>
           </a:xfrm>
           <a:prstGeom prst="rect">
             <a:avLst/>
@@ -14748,62 +14867,62 @@
                 <a:latin typeface="Times New Roman" panose="02020603050405020304" pitchFamily="18" charset="0"/>
                 <a:cs typeface="Times New Roman" panose="02020603050405020304" pitchFamily="18" charset="0"/>
               </a:rPr>
-              <a:t>Features drop = ['SK_CUSTOMER','Contact_End','StartDate']</a:t>
-            </a:r>
-          </a:p>
-        </p:txBody>
-      </p:sp>
-      <p:sp>
-        <p:nvSpPr>
-          <p:cNvPr id="21" name="TextBox 20">
-            <a:extLst>
-              <a:ext uri="{FF2B5EF4-FFF2-40B4-BE49-F238E27FC236}">
-                <a16:creationId xmlns:a16="http://schemas.microsoft.com/office/drawing/2014/main" id="{3746BBA0-6007-4645-93D3-0627612BEDB2}"/>
-              </a:ext>
-            </a:extLst>
-          </p:cNvPr>
-          <p:cNvSpPr txBox="1"/>
-          <p:nvPr/>
-        </p:nvSpPr>
-        <p:spPr>
-          <a:xfrm>
-            <a:off x="8212317" y="5793864"/>
-            <a:ext cx="3763602" cy="923330"/>
-          </a:xfrm>
-          <a:prstGeom prst="rect">
-            <a:avLst/>
-          </a:prstGeom>
-          <a:noFill/>
-        </p:spPr>
-        <p:txBody>
-          <a:bodyPr wrap="square" rtlCol="0">
-            <a:spAutoFit/>
-          </a:bodyPr>
-          <a:lstStyle/>
-          <a:p>
-            <a:r>
-              <a:rPr lang="en-US" b="1" dirty="0">
+              <a:t>drop = </a:t>
+            </a:r>
+            <a:r>
+              <a:rPr lang="en-US" sz="1600" dirty="0">
                 <a:latin typeface="Times New Roman" panose="02020603050405020304" pitchFamily="18" charset="0"/>
                 <a:cs typeface="Times New Roman" panose="02020603050405020304" pitchFamily="18" charset="0"/>
               </a:rPr>
-              <a:t>Step 4</a:t>
-            </a:r>
-            <a:r>
-              <a:rPr lang="en-US" dirty="0">
+              <a:t>['SK_CUSTOMER','Contact_End','StartDate’]</a:t>
+            </a:r>
+          </a:p>
+          <a:p>
+            <a:endParaRPr lang="en-US" sz="1200" b="1" dirty="0">
+              <a:latin typeface="Times New Roman" panose="02020603050405020304" pitchFamily="18" charset="0"/>
+              <a:cs typeface="Times New Roman" panose="02020603050405020304" pitchFamily="18" charset="0"/>
+            </a:endParaRPr>
+          </a:p>
+          <a:p>
+            <a:r>
+              <a:rPr lang="en-US" sz="1500" b="1" dirty="0">
                 <a:latin typeface="Times New Roman" panose="02020603050405020304" pitchFamily="18" charset="0"/>
                 <a:cs typeface="Times New Roman" panose="02020603050405020304" pitchFamily="18" charset="0"/>
               </a:rPr>
-              <a:t>: One-Hot Encoding – Convert categorical variables to numerical.</a:t>
-            </a:r>
-          </a:p>
-          <a:p>
-            <a:r>
-              <a:rPr lang="en-US" dirty="0">
+              <a:t>*Assumption: Contact End date feature is not end of the contract date, based on the following analysis</a:t>
+            </a:r>
+          </a:p>
+          <a:p>
+            <a:pPr marL="285750" indent="-285750">
+              <a:buFont typeface="Wingdings" panose="05000000000000000000" pitchFamily="2" charset="2"/>
+              <a:buChar char="§"/>
+            </a:pPr>
+            <a:r>
+              <a:rPr lang="en-US" sz="1500" b="1" dirty="0">
                 <a:latin typeface="Times New Roman" panose="02020603050405020304" pitchFamily="18" charset="0"/>
                 <a:cs typeface="Times New Roman" panose="02020603050405020304" pitchFamily="18" charset="0"/>
               </a:rPr>
-              <a:t>Increased # of features ~ 3 times</a:t>
-            </a:r>
+              <a:t>Records in training dataset with contact end date &lt; start date.</a:t>
+            </a:r>
+          </a:p>
+          <a:p>
+            <a:pPr marL="285750" indent="-285750">
+              <a:buFont typeface="Wingdings" panose="05000000000000000000" pitchFamily="2" charset="2"/>
+              <a:buChar char="§"/>
+            </a:pPr>
+            <a:r>
+              <a:rPr lang="en-US" sz="1500" b="1" dirty="0">
+                <a:latin typeface="Times New Roman" panose="02020603050405020304" pitchFamily="18" charset="0"/>
+                <a:cs typeface="Times New Roman" panose="02020603050405020304" pitchFamily="18" charset="0"/>
+              </a:rPr>
+              <a:t>Contact end date feature included in Scoring dataset with dates in the past from current date.</a:t>
+            </a:r>
+          </a:p>
+          <a:p>
+            <a:endParaRPr lang="en-US" dirty="0">
+              <a:latin typeface="Times New Roman" panose="02020603050405020304" pitchFamily="18" charset="0"/>
+              <a:cs typeface="Times New Roman" panose="02020603050405020304" pitchFamily="18" charset="0"/>
+            </a:endParaRPr>
           </a:p>
         </p:txBody>
       </p:sp>
@@ -14932,35 +15051,6 @@
       </p:grpSpPr>
       <p:sp>
         <p:nvSpPr>
-          <p:cNvPr id="3" name="Title 2"/>
-          <p:cNvSpPr>
-            <a:spLocks noGrp="1"/>
-          </p:cNvSpPr>
-          <p:nvPr>
-            <p:ph type="title"/>
-          </p:nvPr>
-        </p:nvSpPr>
-        <p:spPr>
-          <a:xfrm>
-            <a:off x="610433" y="375054"/>
-            <a:ext cx="8205261" cy="785553"/>
-          </a:xfrm>
-        </p:spPr>
-        <p:txBody>
-          <a:bodyPr>
-            <a:normAutofit/>
-          </a:bodyPr>
-          <a:lstStyle/>
-          <a:p>
-            <a:r>
-              <a:rPr lang="en-US" sz="2400" dirty="0"/>
-              <a:t>Churn Model</a:t>
-            </a:r>
-          </a:p>
-        </p:txBody>
-      </p:sp>
-      <p:sp>
-        <p:nvSpPr>
           <p:cNvPr id="12" name="TextBox 11">
             <a:extLst>
               <a:ext uri="{FF2B5EF4-FFF2-40B4-BE49-F238E27FC236}">
@@ -14994,72 +15084,10 @@
               </a:rPr>
               <a:t>Data Pre-Processing</a:t>
             </a:r>
-          </a:p>
-        </p:txBody>
-      </p:sp>
-      <p:sp>
-        <p:nvSpPr>
-          <p:cNvPr id="15" name="Title 2">
-            <a:extLst>
-              <a:ext uri="{FF2B5EF4-FFF2-40B4-BE49-F238E27FC236}">
-                <a16:creationId xmlns:a16="http://schemas.microsoft.com/office/drawing/2014/main" id="{64A67B69-244C-4F0C-B8CE-FE06027BB818}"/>
-              </a:ext>
-            </a:extLst>
-          </p:cNvPr>
-          <p:cNvSpPr txBox="1">
-            <a:spLocks/>
-          </p:cNvSpPr>
-          <p:nvPr/>
-        </p:nvSpPr>
-        <p:spPr>
-          <a:xfrm>
-            <a:off x="10696020" y="107300"/>
-            <a:ext cx="1524917" cy="785553"/>
-          </a:xfrm>
-          <a:prstGeom prst="rect">
-            <a:avLst/>
-          </a:prstGeom>
-        </p:spPr>
-        <p:txBody>
-          <a:bodyPr vert="horz" lIns="91440" tIns="45720" rIns="91440" bIns="45720" rtlCol="0" anchor="ctr">
-            <a:normAutofit/>
-          </a:bodyPr>
-          <a:lstStyle>
-            <a:lvl1pPr algn="l" defTabSz="914400" rtl="0" eaLnBrk="1" latinLnBrk="0" hangingPunct="1">
-              <a:lnSpc>
-                <a:spcPct val="90000"/>
-              </a:lnSpc>
-              <a:spcBef>
-                <a:spcPct val="0"/>
-              </a:spcBef>
-              <a:buNone/>
-              <a:defRPr sz="4400" kern="1200">
-                <a:solidFill>
-                  <a:schemeClr val="tx1"/>
-                </a:solidFill>
-                <a:latin typeface="+mj-lt"/>
-                <a:ea typeface="+mj-ea"/>
-                <a:cs typeface="+mj-cs"/>
-              </a:defRPr>
-            </a:lvl1pPr>
-          </a:lstStyle>
-          <a:p>
-            <a:r>
-              <a:rPr lang="en-US" sz="1600" dirty="0"/>
-              <a:t>Legend</a:t>
-            </a:r>
-          </a:p>
-          <a:p>
-            <a:r>
-              <a:rPr lang="en-US" sz="1600" dirty="0"/>
-              <a:t>0| Not Churn</a:t>
-            </a:r>
-          </a:p>
-          <a:p>
-            <a:r>
-              <a:rPr lang="en-US" sz="1600" dirty="0"/>
-              <a:t>1| Churn</a:t>
-            </a:r>
+            <a:endParaRPr lang="en-US" dirty="0">
+              <a:latin typeface="Times New Roman" panose="02020603050405020304" pitchFamily="18" charset="0"/>
+              <a:cs typeface="Times New Roman" panose="02020603050405020304" pitchFamily="18" charset="0"/>
+            </a:endParaRPr>
           </a:p>
         </p:txBody>
       </p:sp>
@@ -15077,7 +15105,7 @@
         </p:nvSpPr>
         <p:spPr>
           <a:xfrm>
-            <a:off x="610433" y="1564007"/>
+            <a:off x="3192373" y="1568704"/>
             <a:ext cx="2947829" cy="2031325"/>
           </a:xfrm>
           <a:prstGeom prst="rect">
@@ -15137,7 +15165,7 @@
         </p:nvSpPr>
         <p:spPr>
           <a:xfrm>
-            <a:off x="3327146" y="1564007"/>
+            <a:off x="5907557" y="1541718"/>
             <a:ext cx="2791072" cy="1477328"/>
           </a:xfrm>
           <a:prstGeom prst="rect">
@@ -15188,7 +15216,7 @@
         </p:nvSpPr>
         <p:spPr>
           <a:xfrm>
-            <a:off x="6421284" y="1539788"/>
+            <a:off x="5907557" y="2728581"/>
             <a:ext cx="2637872" cy="1200329"/>
           </a:xfrm>
           <a:prstGeom prst="rect">
@@ -15445,7 +15473,7 @@
         <p:spPr>
           <a:xfrm>
             <a:off x="8247716" y="4093682"/>
-            <a:ext cx="3828020" cy="2862322"/>
+            <a:ext cx="3828020" cy="2585323"/>
           </a:xfrm>
           <a:prstGeom prst="rect">
             <a:avLst/>
@@ -15500,19 +15528,8 @@
                 <a:latin typeface="Times New Roman" panose="02020603050405020304" pitchFamily="18" charset="0"/>
                 <a:cs typeface="Times New Roman" panose="02020603050405020304" pitchFamily="18" charset="0"/>
               </a:rPr>
-              <a:t>Using </a:t>
-            </a:r>
-            <a:r>
-              <a:rPr lang="en-US" dirty="0" err="1">
-                <a:latin typeface="Times New Roman" panose="02020603050405020304" pitchFamily="18" charset="0"/>
-                <a:cs typeface="Times New Roman" panose="02020603050405020304" pitchFamily="18" charset="0"/>
-              </a:rPr>
-              <a:t>GridSearchCV</a:t>
-            </a:r>
-            <a:endParaRPr lang="en-US" dirty="0">
-              <a:latin typeface="Times New Roman" panose="02020603050405020304" pitchFamily="18" charset="0"/>
-              <a:cs typeface="Times New Roman" panose="02020603050405020304" pitchFamily="18" charset="0"/>
-            </a:endParaRPr>
+              <a:t>Using GridSearchCV</a:t>
+            </a:r>
           </a:p>
           <a:p>
             <a:pPr marL="285750" indent="-285750">
@@ -15539,27 +15556,6 @@
               <a:highlight>
                 <a:srgbClr val="FFFF00"/>
               </a:highlight>
-              <a:latin typeface="Times New Roman" panose="02020603050405020304" pitchFamily="18" charset="0"/>
-              <a:cs typeface="Times New Roman" panose="02020603050405020304" pitchFamily="18" charset="0"/>
-            </a:endParaRPr>
-          </a:p>
-          <a:p>
-            <a:r>
-              <a:rPr lang="en-US" dirty="0">
-                <a:latin typeface="Times New Roman" panose="02020603050405020304" pitchFamily="18" charset="0"/>
-                <a:cs typeface="Times New Roman" panose="02020603050405020304" pitchFamily="18" charset="0"/>
-              </a:rPr>
-              <a:t>Link: </a:t>
-            </a:r>
-            <a:r>
-              <a:rPr lang="en-US" dirty="0">
-                <a:latin typeface="Times New Roman" panose="02020603050405020304" pitchFamily="18" charset="0"/>
-                <a:cs typeface="Times New Roman" panose="02020603050405020304" pitchFamily="18" charset="0"/>
-                <a:hlinkClick r:id="rId3"/>
-              </a:rPr>
-              <a:t>GitHub Repo</a:t>
-            </a:r>
-            <a:endParaRPr lang="en-US" dirty="0">
               <a:latin typeface="Times New Roman" panose="02020603050405020304" pitchFamily="18" charset="0"/>
               <a:cs typeface="Times New Roman" panose="02020603050405020304" pitchFamily="18" charset="0"/>
             </a:endParaRPr>
@@ -15587,7 +15583,7 @@
           <p:nvPr/>
         </p:nvPicPr>
         <p:blipFill>
-          <a:blip r:embed="rId4"/>
+          <a:blip r:embed="rId3"/>
           <a:stretch>
             <a:fillRect/>
           </a:stretch>
@@ -15602,6 +15598,198 @@
           </a:prstGeom>
         </p:spPr>
       </p:pic>
+      <p:sp>
+        <p:nvSpPr>
+          <p:cNvPr id="20" name="Title 2">
+            <a:extLst>
+              <a:ext uri="{FF2B5EF4-FFF2-40B4-BE49-F238E27FC236}">
+                <a16:creationId xmlns:a16="http://schemas.microsoft.com/office/drawing/2014/main" id="{E32ADF37-B7A6-4AB2-BF0B-305A01EA4B8D}"/>
+              </a:ext>
+            </a:extLst>
+          </p:cNvPr>
+          <p:cNvSpPr>
+            <a:spLocks noGrp="1"/>
+          </p:cNvSpPr>
+          <p:nvPr>
+            <p:ph type="title"/>
+          </p:nvPr>
+        </p:nvSpPr>
+        <p:spPr>
+          <a:xfrm>
+            <a:off x="610433" y="375054"/>
+            <a:ext cx="8205261" cy="785553"/>
+          </a:xfrm>
+        </p:spPr>
+        <p:txBody>
+          <a:bodyPr>
+            <a:normAutofit/>
+          </a:bodyPr>
+          <a:lstStyle/>
+          <a:p>
+            <a:r>
+              <a:rPr lang="en-US" sz="2400" dirty="0"/>
+              <a:t>Churn Model</a:t>
+            </a:r>
+            <a:br>
+              <a:rPr lang="en-US" sz="2400" dirty="0"/>
+            </a:br>
+            <a:r>
+              <a:rPr lang="en-US" sz="1400" dirty="0">
+                <a:latin typeface="Times New Roman" panose="02020603050405020304" pitchFamily="18" charset="0"/>
+                <a:cs typeface="Times New Roman" panose="02020603050405020304" pitchFamily="18" charset="0"/>
+              </a:rPr>
+              <a:t>Script: </a:t>
+            </a:r>
+            <a:r>
+              <a:rPr lang="en-US" sz="1400" dirty="0">
+                <a:latin typeface="Times New Roman" panose="02020603050405020304" pitchFamily="18" charset="0"/>
+                <a:cs typeface="Times New Roman" panose="02020603050405020304" pitchFamily="18" charset="0"/>
+                <a:hlinkClick r:id="rId4"/>
+              </a:rPr>
+              <a:t>GitHub Repo</a:t>
+            </a:r>
+            <a:endParaRPr lang="en-US" sz="2400" dirty="0"/>
+          </a:p>
+        </p:txBody>
+      </p:sp>
+      <p:sp>
+        <p:nvSpPr>
+          <p:cNvPr id="21" name="TextBox 20">
+            <a:extLst>
+              <a:ext uri="{FF2B5EF4-FFF2-40B4-BE49-F238E27FC236}">
+                <a16:creationId xmlns:a16="http://schemas.microsoft.com/office/drawing/2014/main" id="{1768EEC5-3916-4619-AD15-D35A96FA7CF5}"/>
+              </a:ext>
+            </a:extLst>
+          </p:cNvPr>
+          <p:cNvSpPr txBox="1"/>
+          <p:nvPr/>
+        </p:nvSpPr>
+        <p:spPr>
+          <a:xfrm>
+            <a:off x="610432" y="1571490"/>
+            <a:ext cx="2462706" cy="1754326"/>
+          </a:xfrm>
+          <a:prstGeom prst="rect">
+            <a:avLst/>
+          </a:prstGeom>
+          <a:noFill/>
+        </p:spPr>
+        <p:txBody>
+          <a:bodyPr wrap="square" rtlCol="0">
+            <a:spAutoFit/>
+          </a:bodyPr>
+          <a:lstStyle/>
+          <a:p>
+            <a:r>
+              <a:rPr lang="en-US" b="1" dirty="0">
+                <a:latin typeface="Times New Roman" panose="02020603050405020304" pitchFamily="18" charset="0"/>
+                <a:cs typeface="Times New Roman" panose="02020603050405020304" pitchFamily="18" charset="0"/>
+              </a:rPr>
+              <a:t>Step 4</a:t>
+            </a:r>
+            <a:r>
+              <a:rPr lang="en-US" dirty="0">
+                <a:latin typeface="Times New Roman" panose="02020603050405020304" pitchFamily="18" charset="0"/>
+                <a:cs typeface="Times New Roman" panose="02020603050405020304" pitchFamily="18" charset="0"/>
+              </a:rPr>
+              <a:t>: One-Hot Encoding </a:t>
+            </a:r>
+          </a:p>
+          <a:p>
+            <a:r>
+              <a:rPr lang="en-US" dirty="0">
+                <a:latin typeface="Times New Roman" panose="02020603050405020304" pitchFamily="18" charset="0"/>
+                <a:cs typeface="Times New Roman" panose="02020603050405020304" pitchFamily="18" charset="0"/>
+              </a:rPr>
+              <a:t>– Convert categorical variables to numerical.</a:t>
+            </a:r>
+          </a:p>
+          <a:p>
+            <a:r>
+              <a:rPr lang="en-US" dirty="0">
+                <a:latin typeface="Times New Roman" panose="02020603050405020304" pitchFamily="18" charset="0"/>
+                <a:cs typeface="Times New Roman" panose="02020603050405020304" pitchFamily="18" charset="0"/>
+              </a:rPr>
+              <a:t>Increased # of features </a:t>
+            </a:r>
+          </a:p>
+          <a:p>
+            <a:r>
+              <a:rPr lang="en-US" dirty="0">
+                <a:latin typeface="Times New Roman" panose="02020603050405020304" pitchFamily="18" charset="0"/>
+                <a:cs typeface="Times New Roman" panose="02020603050405020304" pitchFamily="18" charset="0"/>
+              </a:rPr>
+              <a:t>~ 3 times</a:t>
+            </a:r>
+          </a:p>
+        </p:txBody>
+      </p:sp>
+      <p:sp>
+        <p:nvSpPr>
+          <p:cNvPr id="19" name="Title 2">
+            <a:extLst>
+              <a:ext uri="{FF2B5EF4-FFF2-40B4-BE49-F238E27FC236}">
+                <a16:creationId xmlns:a16="http://schemas.microsoft.com/office/drawing/2014/main" id="{58E97C5F-8E99-41D6-9B34-10F118B3F878}"/>
+              </a:ext>
+            </a:extLst>
+          </p:cNvPr>
+          <p:cNvSpPr txBox="1">
+            <a:spLocks/>
+          </p:cNvSpPr>
+          <p:nvPr/>
+        </p:nvSpPr>
+        <p:spPr>
+          <a:xfrm>
+            <a:off x="10190374" y="107300"/>
+            <a:ext cx="2030563" cy="785553"/>
+          </a:xfrm>
+          <a:prstGeom prst="rect">
+            <a:avLst/>
+          </a:prstGeom>
+        </p:spPr>
+        <p:txBody>
+          <a:bodyPr vert="horz" lIns="91440" tIns="45720" rIns="91440" bIns="45720" rtlCol="0" anchor="ctr">
+            <a:normAutofit/>
+          </a:bodyPr>
+          <a:lstStyle>
+            <a:lvl1pPr algn="l" defTabSz="914400" rtl="0" eaLnBrk="1" latinLnBrk="0" hangingPunct="1">
+              <a:lnSpc>
+                <a:spcPct val="90000"/>
+              </a:lnSpc>
+              <a:spcBef>
+                <a:spcPct val="0"/>
+              </a:spcBef>
+              <a:buNone/>
+              <a:defRPr sz="4400" kern="1200">
+                <a:solidFill>
+                  <a:schemeClr val="tx1"/>
+                </a:solidFill>
+                <a:latin typeface="+mj-lt"/>
+                <a:ea typeface="+mj-ea"/>
+                <a:cs typeface="+mj-cs"/>
+              </a:defRPr>
+            </a:lvl1pPr>
+          </a:lstStyle>
+          <a:p>
+            <a:r>
+              <a:rPr lang="en-US" sz="1600" dirty="0"/>
+              <a:t>Legend</a:t>
+            </a:r>
+          </a:p>
+          <a:p>
+            <a:r>
+              <a:rPr lang="en-US" sz="1600" dirty="0"/>
+              <a:t>Class 0| Not Churn</a:t>
+            </a:r>
+          </a:p>
+          <a:p>
+            <a:r>
+              <a:rPr lang="en-US" sz="1600" dirty="0"/>
+              <a:t>Class 1| Churn</a:t>
+            </a:r>
+          </a:p>
+        </p:txBody>
+      </p:sp>
     </p:spTree>
     <p:extLst>
       <p:ext uri="{BB962C8B-B14F-4D97-AF65-F5344CB8AC3E}">
@@ -15634,101 +15822,6 @@
       </p:grpSpPr>
       <p:sp>
         <p:nvSpPr>
-          <p:cNvPr id="3" name="Title 2"/>
-          <p:cNvSpPr>
-            <a:spLocks noGrp="1"/>
-          </p:cNvSpPr>
-          <p:nvPr>
-            <p:ph type="title"/>
-          </p:nvPr>
-        </p:nvSpPr>
-        <p:spPr>
-          <a:xfrm>
-            <a:off x="610433" y="375054"/>
-            <a:ext cx="8205261" cy="785553"/>
-          </a:xfrm>
-        </p:spPr>
-        <p:txBody>
-          <a:bodyPr>
-            <a:normAutofit/>
-          </a:bodyPr>
-          <a:lstStyle/>
-          <a:p>
-            <a:r>
-              <a:rPr lang="en-US" sz="2400" dirty="0"/>
-              <a:t>Churn Model</a:t>
-            </a:r>
-          </a:p>
-        </p:txBody>
-      </p:sp>
-      <p:sp>
-        <p:nvSpPr>
-          <p:cNvPr id="15" name="Title 2">
-            <a:extLst>
-              <a:ext uri="{FF2B5EF4-FFF2-40B4-BE49-F238E27FC236}">
-                <a16:creationId xmlns:a16="http://schemas.microsoft.com/office/drawing/2014/main" id="{64A67B69-244C-4F0C-B8CE-FE06027BB818}"/>
-              </a:ext>
-            </a:extLst>
-          </p:cNvPr>
-          <p:cNvSpPr txBox="1">
-            <a:spLocks/>
-          </p:cNvSpPr>
-          <p:nvPr/>
-        </p:nvSpPr>
-        <p:spPr>
-          <a:xfrm>
-            <a:off x="10696020" y="107300"/>
-            <a:ext cx="1524917" cy="785553"/>
-          </a:xfrm>
-          <a:prstGeom prst="rect">
-            <a:avLst/>
-          </a:prstGeom>
-        </p:spPr>
-        <p:txBody>
-          <a:bodyPr vert="horz" lIns="91440" tIns="45720" rIns="91440" bIns="45720" rtlCol="0" anchor="ctr">
-            <a:normAutofit/>
-          </a:bodyPr>
-          <a:lstStyle>
-            <a:lvl1pPr algn="l" defTabSz="914400" rtl="0" eaLnBrk="1" latinLnBrk="0" hangingPunct="1">
-              <a:lnSpc>
-                <a:spcPct val="90000"/>
-              </a:lnSpc>
-              <a:spcBef>
-                <a:spcPct val="0"/>
-              </a:spcBef>
-              <a:buNone/>
-              <a:defRPr sz="4400" kern="1200">
-                <a:solidFill>
-                  <a:schemeClr val="tx1"/>
-                </a:solidFill>
-                <a:latin typeface="+mj-lt"/>
-                <a:ea typeface="+mj-ea"/>
-                <a:cs typeface="+mj-cs"/>
-              </a:defRPr>
-            </a:lvl1pPr>
-          </a:lstStyle>
-          <a:p>
-            <a:r>
-              <a:rPr lang="en-US" sz="1600" dirty="0"/>
-              <a:t>Legend</a:t>
-            </a:r>
-          </a:p>
-          <a:p>
-            <a:r>
-              <a:rPr lang="en-US" sz="1600" dirty="0"/>
-              <a:t>0| Not Churn</a:t>
-            </a:r>
-          </a:p>
-          <a:p>
-            <a:r>
-              <a:rPr lang="en-US" sz="1600" dirty="0"/>
-              <a:t>1| Churn</a:t>
-            </a:r>
-          </a:p>
-        </p:txBody>
-      </p:sp>
-      <p:sp>
-        <p:nvSpPr>
           <p:cNvPr id="22" name="TextBox 21">
             <a:extLst>
               <a:ext uri="{FF2B5EF4-FFF2-40B4-BE49-F238E27FC236}">
@@ -15799,7 +15892,7 @@
         <p:spPr>
           <a:xfrm>
             <a:off x="610433" y="3713439"/>
-            <a:ext cx="5664457" cy="3139321"/>
+            <a:ext cx="5774655" cy="3139321"/>
           </a:xfrm>
           <a:prstGeom prst="rect">
             <a:avLst/>
@@ -15826,7 +15919,7 @@
                 <a:latin typeface="Times New Roman" panose="02020603050405020304" pitchFamily="18" charset="0"/>
                 <a:cs typeface="Times New Roman" panose="02020603050405020304" pitchFamily="18" charset="0"/>
               </a:rPr>
-              <a:t>of Class 1: Churn, and acceptable average recall score is to reduce the number of wrong predictions (errors)</a:t>
+              <a:t>of Class 1: Churn, and acceptable average recall score is to reduce the number of wrong predictions (Type 1 &amp; 2 errors)</a:t>
             </a:r>
           </a:p>
           <a:p>
@@ -16139,6 +16232,126 @@
           </a:extLst>
         </p:spPr>
       </p:pic>
+      <p:sp>
+        <p:nvSpPr>
+          <p:cNvPr id="14" name="Title 2">
+            <a:extLst>
+              <a:ext uri="{FF2B5EF4-FFF2-40B4-BE49-F238E27FC236}">
+                <a16:creationId xmlns:a16="http://schemas.microsoft.com/office/drawing/2014/main" id="{0BC649D0-278D-446B-8304-2144C452F920}"/>
+              </a:ext>
+            </a:extLst>
+          </p:cNvPr>
+          <p:cNvSpPr>
+            <a:spLocks noGrp="1"/>
+          </p:cNvSpPr>
+          <p:nvPr>
+            <p:ph type="title"/>
+          </p:nvPr>
+        </p:nvSpPr>
+        <p:spPr>
+          <a:xfrm>
+            <a:off x="610433" y="375054"/>
+            <a:ext cx="8205261" cy="785553"/>
+          </a:xfrm>
+        </p:spPr>
+        <p:txBody>
+          <a:bodyPr>
+            <a:normAutofit/>
+          </a:bodyPr>
+          <a:lstStyle/>
+          <a:p>
+            <a:r>
+              <a:rPr lang="en-US" sz="2400" dirty="0"/>
+              <a:t>Churn Model</a:t>
+            </a:r>
+            <a:br>
+              <a:rPr lang="en-US" sz="2400" dirty="0"/>
+            </a:br>
+            <a:r>
+              <a:rPr lang="en-US" sz="1400" dirty="0">
+                <a:latin typeface="Times New Roman" panose="02020603050405020304" pitchFamily="18" charset="0"/>
+                <a:cs typeface="Times New Roman" panose="02020603050405020304" pitchFamily="18" charset="0"/>
+              </a:rPr>
+              <a:t>Script: </a:t>
+            </a:r>
+            <a:r>
+              <a:rPr lang="en-US" sz="1400" dirty="0">
+                <a:latin typeface="Times New Roman" panose="02020603050405020304" pitchFamily="18" charset="0"/>
+                <a:cs typeface="Times New Roman" panose="02020603050405020304" pitchFamily="18" charset="0"/>
+                <a:hlinkClick r:id="rId6"/>
+              </a:rPr>
+              <a:t>GitHub Repo</a:t>
+            </a:r>
+            <a:endParaRPr lang="en-US" sz="2400" dirty="0"/>
+          </a:p>
+        </p:txBody>
+      </p:sp>
+      <p:sp>
+        <p:nvSpPr>
+          <p:cNvPr id="12" name="Title 2">
+            <a:extLst>
+              <a:ext uri="{FF2B5EF4-FFF2-40B4-BE49-F238E27FC236}">
+                <a16:creationId xmlns:a16="http://schemas.microsoft.com/office/drawing/2014/main" id="{68879224-7FCF-4B9C-9135-B5427DC96890}"/>
+              </a:ext>
+            </a:extLst>
+          </p:cNvPr>
+          <p:cNvSpPr txBox="1">
+            <a:spLocks/>
+          </p:cNvSpPr>
+          <p:nvPr/>
+        </p:nvSpPr>
+        <p:spPr>
+          <a:xfrm>
+            <a:off x="10190374" y="107300"/>
+            <a:ext cx="2030563" cy="785553"/>
+          </a:xfrm>
+          <a:prstGeom prst="rect">
+            <a:avLst/>
+          </a:prstGeom>
+        </p:spPr>
+        <p:txBody>
+          <a:bodyPr vert="horz" lIns="91440" tIns="45720" rIns="91440" bIns="45720" rtlCol="0" anchor="ctr">
+            <a:normAutofit/>
+          </a:bodyPr>
+          <a:lstStyle>
+            <a:lvl1pPr algn="l" defTabSz="914400" rtl="0" eaLnBrk="1" latinLnBrk="0" hangingPunct="1">
+              <a:lnSpc>
+                <a:spcPct val="90000"/>
+              </a:lnSpc>
+              <a:spcBef>
+                <a:spcPct val="0"/>
+              </a:spcBef>
+              <a:buNone/>
+              <a:defRPr sz="4400" kern="1200">
+                <a:solidFill>
+                  <a:schemeClr val="tx1"/>
+                </a:solidFill>
+                <a:latin typeface="+mj-lt"/>
+                <a:ea typeface="+mj-ea"/>
+                <a:cs typeface="+mj-cs"/>
+              </a:defRPr>
+            </a:lvl1pPr>
+          </a:lstStyle>
+          <a:p>
+            <a:r>
+              <a:rPr lang="en-US" sz="1600" dirty="0"/>
+              <a:t>Legend</a:t>
+            </a:r>
+          </a:p>
+          <a:p>
+            <a:r>
+              <a:rPr lang="en-US" sz="1600" dirty="0"/>
+              <a:t>Class 0| Not Churn</a:t>
+            </a:r>
+          </a:p>
+          <a:p>
+            <a:r>
+              <a:rPr lang="en-US" sz="1600" dirty="0"/>
+              <a:t>Class 1| Churn</a:t>
+            </a:r>
+          </a:p>
+        </p:txBody>
+      </p:sp>
     </p:spTree>
     <p:extLst>
       <p:ext uri="{BB962C8B-B14F-4D97-AF65-F5344CB8AC3E}">
@@ -16200,72 +16413,6 @@
       </p:sp>
       <p:sp>
         <p:nvSpPr>
-          <p:cNvPr id="15" name="Title 2">
-            <a:extLst>
-              <a:ext uri="{FF2B5EF4-FFF2-40B4-BE49-F238E27FC236}">
-                <a16:creationId xmlns:a16="http://schemas.microsoft.com/office/drawing/2014/main" id="{64A67B69-244C-4F0C-B8CE-FE06027BB818}"/>
-              </a:ext>
-            </a:extLst>
-          </p:cNvPr>
-          <p:cNvSpPr txBox="1">
-            <a:spLocks/>
-          </p:cNvSpPr>
-          <p:nvPr/>
-        </p:nvSpPr>
-        <p:spPr>
-          <a:xfrm>
-            <a:off x="10696020" y="107300"/>
-            <a:ext cx="1524917" cy="785553"/>
-          </a:xfrm>
-          <a:prstGeom prst="rect">
-            <a:avLst/>
-          </a:prstGeom>
-        </p:spPr>
-        <p:txBody>
-          <a:bodyPr vert="horz" lIns="91440" tIns="45720" rIns="91440" bIns="45720" rtlCol="0" anchor="ctr">
-            <a:normAutofit/>
-          </a:bodyPr>
-          <a:lstStyle>
-            <a:lvl1pPr algn="l" defTabSz="914400" rtl="0" eaLnBrk="1" latinLnBrk="0" hangingPunct="1">
-              <a:lnSpc>
-                <a:spcPct val="90000"/>
-              </a:lnSpc>
-              <a:spcBef>
-                <a:spcPct val="0"/>
-              </a:spcBef>
-              <a:buNone/>
-              <a:defRPr sz="4400" kern="1200">
-                <a:solidFill>
-                  <a:schemeClr val="tx1"/>
-                </a:solidFill>
-                <a:latin typeface="+mj-lt"/>
-                <a:ea typeface="+mj-ea"/>
-                <a:cs typeface="+mj-cs"/>
-              </a:defRPr>
-            </a:lvl1pPr>
-          </a:lstStyle>
-          <a:p>
-            <a:r>
-              <a:rPr lang="en-US" sz="1600" dirty="0"/>
-              <a:t>Legend</a:t>
-            </a:r>
-          </a:p>
-          <a:p>
-            <a:r>
-              <a:rPr lang="en-US" sz="1600" dirty="0"/>
-              <a:t>0| Not Churn</a:t>
-            </a:r>
-          </a:p>
-          <a:p>
-            <a:r>
-              <a:rPr lang="en-US" sz="1600" dirty="0"/>
-              <a:t>1| Churn</a:t>
-            </a:r>
-          </a:p>
-        </p:txBody>
-      </p:sp>
-      <p:sp>
-        <p:nvSpPr>
           <p:cNvPr id="11" name="TextBox 10">
             <a:extLst>
               <a:ext uri="{FF2B5EF4-FFF2-40B4-BE49-F238E27FC236}">
@@ -16441,21 +16588,7 @@
                 <a:latin typeface="Times New Roman" panose="02020603050405020304" pitchFamily="18" charset="0"/>
                 <a:cs typeface="Times New Roman" panose="02020603050405020304" pitchFamily="18" charset="0"/>
               </a:rPr>
-              <a:t>However to minimize Type 2 errors (False Negative), threshold of 0.4-0.49 (ROC) could be used which would result in higher </a:t>
-            </a:r>
-            <a:r>
-              <a:rPr lang="en-US" dirty="0" err="1">
-                <a:latin typeface="Times New Roman" panose="02020603050405020304" pitchFamily="18" charset="0"/>
-                <a:cs typeface="Times New Roman" panose="02020603050405020304" pitchFamily="18" charset="0"/>
-              </a:rPr>
-              <a:t>LowFocus</a:t>
-            </a:r>
-            <a:r>
-              <a:rPr lang="en-US" dirty="0">
-                <a:latin typeface="Times New Roman" panose="02020603050405020304" pitchFamily="18" charset="0"/>
-                <a:cs typeface="Times New Roman" panose="02020603050405020304" pitchFamily="18" charset="0"/>
-              </a:rPr>
-              <a:t> customers predicted but reduce False Negatives (costly errors) – </a:t>
+              <a:t>However to minimize Type 2 errors (False Negative), threshold of 0.4-0.49 (ROC) could be used which would result in higher LowFocus customers predicted but reduce False Negatives (costly errors) – </a:t>
             </a:r>
             <a:r>
               <a:rPr lang="en-US" b="1" dirty="0">
@@ -17874,15 +18007,6 @@
 </file>
 
 <file path=customXml/item2.xml><?xml version="1.0" encoding="utf-8"?>
-<?mso-contentType ?>
-<FormTemplates xmlns="http://schemas.microsoft.com/sharepoint/v3/contenttype/forms">
-  <Display>DocumentLibraryForm</Display>
-  <Edit>DocumentLibraryForm</Edit>
-  <New>DocumentLibraryForm</New>
-</FormTemplates>
-</file>
-
-<file path=customXml/item3.xml><?xml version="1.0" encoding="utf-8"?>
 <p:properties xmlns:p="http://schemas.microsoft.com/office/2006/metadata/properties" xmlns:xsi="http://www.w3.org/2001/XMLSchema-instance" xmlns:pc="http://schemas.microsoft.com/office/infopath/2007/PartnerControls">
   <documentManagement>
     <TaxCatchAll xmlns="5aa39b27-3492-4fbd-9ce5-132e2443fdc5">
@@ -17911,6 +18035,15 @@
 </p:properties>
 </file>
 
+<file path=customXml/item3.xml><?xml version="1.0" encoding="utf-8"?>
+<?mso-contentType ?>
+<FormTemplates xmlns="http://schemas.microsoft.com/sharepoint/v3/contenttype/forms">
+  <Display>DocumentLibraryForm</Display>
+  <Edit>DocumentLibraryForm</Edit>
+  <New>DocumentLibraryForm</New>
+</FormTemplates>
+</file>
+
 <file path=customXml/itemProps1.xml><?xml version="1.0" encoding="utf-8"?>
 <ds:datastoreItem xmlns:ds="http://schemas.openxmlformats.org/officeDocument/2006/customXml" ds:itemID="{C5D4C91F-644C-498D-9A6A-55A6D240C888}">
   <ds:schemaRefs>
@@ -17932,14 +18065,6 @@
 </file>
 
 <file path=customXml/itemProps2.xml><?xml version="1.0" encoding="utf-8"?>
-<ds:datastoreItem xmlns:ds="http://schemas.openxmlformats.org/officeDocument/2006/customXml" ds:itemID="{7F3C27BC-13E9-4A78-83E0-84204EDD23AE}">
-  <ds:schemaRefs>
-    <ds:schemaRef ds:uri="http://schemas.microsoft.com/sharepoint/v3/contenttype/forms"/>
-  </ds:schemaRefs>
-</ds:datastoreItem>
-</file>
-
-<file path=customXml/itemProps3.xml><?xml version="1.0" encoding="utf-8"?>
 <ds:datastoreItem xmlns:ds="http://schemas.openxmlformats.org/officeDocument/2006/customXml" ds:itemID="{7EDB0B6D-870F-493E-BC33-266BAF50064D}">
   <ds:schemaRefs>
     <ds:schemaRef ds:uri="http://purl.org/dc/terms/"/>
@@ -17955,4 +18080,12 @@
     <ds:schemaRef ds:uri="http://purl.org/dc/dcmitype/"/>
   </ds:schemaRefs>
 </ds:datastoreItem>
+</file>
+
+<file path=customXml/itemProps3.xml><?xml version="1.0" encoding="utf-8"?>
+<ds:datastoreItem xmlns:ds="http://schemas.openxmlformats.org/officeDocument/2006/customXml" ds:itemID="{7F3C27BC-13E9-4A78-83E0-84204EDD23AE}">
+  <ds:schemaRefs>
+    <ds:schemaRef ds:uri="http://schemas.microsoft.com/sharepoint/v3/contenttype/forms"/>
+  </ds:schemaRefs>
+</ds:datastoreItem>
 </file>